--- a/La map.pptx
+++ b/La map.pptx
@@ -5,11 +5,12 @@
     <p:sldMasterId id="2147483648" r:id="rId1"/>
   </p:sldMasterIdLst>
   <p:sldIdLst>
-    <p:sldId id="263" r:id="rId2"/>
-    <p:sldId id="264" r:id="rId3"/>
-    <p:sldId id="265" r:id="rId4"/>
-    <p:sldId id="266" r:id="rId5"/>
-    <p:sldId id="267" r:id="rId6"/>
+    <p:sldId id="268" r:id="rId2"/>
+    <p:sldId id="263" r:id="rId3"/>
+    <p:sldId id="264" r:id="rId4"/>
+    <p:sldId id="265" r:id="rId5"/>
+    <p:sldId id="266" r:id="rId6"/>
+    <p:sldId id="267" r:id="rId7"/>
   </p:sldIdLst>
   <p:sldSz cx="12192000" cy="6858000"/>
   <p:notesSz cx="6858000" cy="9144000"/>
@@ -3330,67 +3331,365 @@
           <p:cNvPr id="2" name="Titre 1">
             <a:extLst>
               <a:ext uri="{FF2B5EF4-FFF2-40B4-BE49-F238E27FC236}">
-                <a16:creationId xmlns:a16="http://schemas.microsoft.com/office/drawing/2014/main" id="{D11BD230-2575-4231-9E0A-5EA764717AF1}"/>
-              </a:ext>
-            </a:extLst>
-          </p:cNvPr>
-          <p:cNvSpPr>
-            <a:spLocks noGrp="1"/>
-          </p:cNvSpPr>
-          <p:nvPr>
-            <p:ph type="title"/>
+                <a16:creationId xmlns:a16="http://schemas.microsoft.com/office/drawing/2014/main" id="{C31651C3-FC2C-4EAE-A554-20D5A36BBC8B}"/>
+              </a:ext>
+            </a:extLst>
+          </p:cNvPr>
+          <p:cNvSpPr>
+            <a:spLocks noGrp="1"/>
+          </p:cNvSpPr>
+          <p:nvPr>
+            <p:ph type="ctrTitle"/>
+          </p:nvPr>
+        </p:nvSpPr>
+        <p:spPr/>
+        <p:txBody>
+          <a:bodyPr/>
+          <a:lstStyle/>
+          <a:p>
+            <a:r>
+              <a:rPr lang="fr-FR" dirty="0"/>
+              <a:t>PAGUET 18</a:t>
+            </a:r>
+          </a:p>
+        </p:txBody>
+      </p:sp>
+      <p:sp>
+        <p:nvSpPr>
+          <p:cNvPr id="3" name="Sous-titre 2">
+            <a:extLst>
+              <a:ext uri="{FF2B5EF4-FFF2-40B4-BE49-F238E27FC236}">
+                <a16:creationId xmlns:a16="http://schemas.microsoft.com/office/drawing/2014/main" id="{9F5D9C2B-B569-4DC2-A576-B74CFB29D0DD}"/>
+              </a:ext>
+            </a:extLst>
+          </p:cNvPr>
+          <p:cNvSpPr>
+            <a:spLocks noGrp="1"/>
+          </p:cNvSpPr>
+          <p:nvPr>
+            <p:ph type="subTitle" idx="1"/>
+          </p:nvPr>
+        </p:nvSpPr>
+        <p:spPr/>
+        <p:txBody>
+          <a:bodyPr/>
+          <a:lstStyle/>
+          <a:p>
+            <a:endParaRPr lang="fr-FR"/>
+          </a:p>
+        </p:txBody>
+      </p:sp>
+    </p:spTree>
+    <p:extLst>
+      <p:ext uri="{BB962C8B-B14F-4D97-AF65-F5344CB8AC3E}">
+        <p14:creationId xmlns:p14="http://schemas.microsoft.com/office/powerpoint/2010/main" val="3201862505"/>
+      </p:ext>
+    </p:extLst>
+  </p:cSld>
+  <p:clrMapOvr>
+    <a:masterClrMapping/>
+  </p:clrMapOvr>
+</p:sld>
+</file>
+
+<file path=ppt/slides/slide2.xml><?xml version="1.0" encoding="utf-8"?>
+<p:sld xmlns:a="http://schemas.openxmlformats.org/drawingml/2006/main" xmlns:r="http://schemas.openxmlformats.org/officeDocument/2006/relationships" xmlns:p="http://schemas.openxmlformats.org/presentationml/2006/main">
+  <p:cSld>
+    <p:bg>
+      <p:bgPr>
+        <a:solidFill>
+          <a:schemeClr val="bg1"/>
+        </a:solidFill>
+        <a:effectLst/>
+      </p:bgPr>
+    </p:bg>
+    <p:spTree>
+      <p:nvGrpSpPr>
+        <p:cNvPr id="1" name=""/>
+        <p:cNvGrpSpPr/>
+        <p:nvPr/>
+      </p:nvGrpSpPr>
+      <p:grpSpPr>
+        <a:xfrm>
+          <a:off x="0" y="0"/>
+          <a:ext cx="0" cy="0"/>
+          <a:chOff x="0" y="0"/>
+          <a:chExt cx="0" cy="0"/>
+        </a:xfrm>
+      </p:grpSpPr>
+      <p:cxnSp>
+        <p:nvCxnSpPr>
+          <p:cNvPr id="73" name="Straight Connector 72">
+            <a:extLst>
+              <a:ext uri="{FF2B5EF4-FFF2-40B4-BE49-F238E27FC236}">
+                <a16:creationId xmlns:a16="http://schemas.microsoft.com/office/drawing/2014/main" id="{D2E961F1-4A28-4A5F-BBD4-6E400E5E6C75}"/>
+              </a:ext>
+              <a:ext uri="{C183D7F6-B498-43B3-948B-1728B52AA6E4}">
+                <adec:decorative xmlns:adec="http://schemas.microsoft.com/office/drawing/2017/decorative" val="1"/>
+              </a:ext>
+            </a:extLst>
+          </p:cNvPr>
+          <p:cNvCxnSpPr>
+            <a:cxnSpLocks noGrp="1" noRot="1" noChangeAspect="1" noMove="1" noResize="1" noEditPoints="1" noAdjustHandles="1" noChangeArrowheads="1" noChangeShapeType="1"/>
+          </p:cNvCxnSpPr>
+          <p:nvPr>
+            <p:extLst>
+              <p:ext uri="{386F3935-93C4-4BCD-93E2-E3B085C9AB24}">
+                <p16:designElem xmlns:p16="http://schemas.microsoft.com/office/powerpoint/2015/main" val="1"/>
+              </p:ext>
+            </p:extLst>
+          </p:nvPr>
+        </p:nvCxnSpPr>
+        <p:spPr bwMode="white">
+          <a:xfrm>
+            <a:off x="0" y="272357"/>
+            <a:ext cx="12188824" cy="0"/>
+          </a:xfrm>
+          <a:prstGeom prst="line">
+            <a:avLst/>
+          </a:prstGeom>
+          <a:ln w="50800">
+            <a:solidFill>
+              <a:schemeClr val="tx1">
+                <a:lumMod val="75000"/>
+                <a:lumOff val="25000"/>
+              </a:schemeClr>
+            </a:solidFill>
+          </a:ln>
+        </p:spPr>
+        <p:style>
+          <a:lnRef idx="1">
+            <a:schemeClr val="accent1"/>
+          </a:lnRef>
+          <a:fillRef idx="0">
+            <a:schemeClr val="accent1"/>
+          </a:fillRef>
+          <a:effectRef idx="0">
+            <a:schemeClr val="accent1"/>
+          </a:effectRef>
+          <a:fontRef idx="minor">
+            <a:schemeClr val="tx1"/>
+          </a:fontRef>
+        </p:style>
+      </p:cxnSp>
+      <p:sp>
+        <p:nvSpPr>
+          <p:cNvPr id="75" name="Rectangle 74">
+            <a:extLst>
+              <a:ext uri="{FF2B5EF4-FFF2-40B4-BE49-F238E27FC236}">
+                <a16:creationId xmlns:a16="http://schemas.microsoft.com/office/drawing/2014/main" id="{7F57BEA8-497D-4AA8-8A18-BDCD696B25FE}"/>
+              </a:ext>
+              <a:ext uri="{C183D7F6-B498-43B3-948B-1728B52AA6E4}">
+                <adec:decorative xmlns:adec="http://schemas.microsoft.com/office/drawing/2017/decorative" val="1"/>
+              </a:ext>
+            </a:extLst>
+          </p:cNvPr>
+          <p:cNvSpPr>
+            <a:spLocks noGrp="1" noRot="1" noChangeAspect="1" noMove="1" noResize="1" noEditPoints="1" noAdjustHandles="1" noChangeArrowheads="1" noChangeShapeType="1" noTextEdit="1"/>
+          </p:cNvSpPr>
+          <p:nvPr>
+            <p:extLst>
+              <p:ext uri="{386F3935-93C4-4BCD-93E2-E3B085C9AB24}">
+                <p16:designElem xmlns:p16="http://schemas.microsoft.com/office/powerpoint/2015/main" val="1"/>
+              </p:ext>
+            </p:extLst>
           </p:nvPr>
         </p:nvSpPr>
         <p:spPr>
           <a:xfrm>
-            <a:off x="561363" y="105067"/>
-            <a:ext cx="10515600" cy="1325563"/>
+            <a:off x="0" y="368596"/>
+            <a:ext cx="12192000" cy="1735555"/>
+          </a:xfrm>
+          <a:prstGeom prst="rect">
+            <a:avLst/>
+          </a:prstGeom>
+          <a:solidFill>
+            <a:schemeClr val="tx1">
+              <a:lumMod val="75000"/>
+              <a:lumOff val="25000"/>
+            </a:schemeClr>
+          </a:solidFill>
+          <a:ln>
+            <a:noFill/>
+          </a:ln>
+        </p:spPr>
+        <p:style>
+          <a:lnRef idx="2">
+            <a:schemeClr val="accent1">
+              <a:shade val="50000"/>
+            </a:schemeClr>
+          </a:lnRef>
+          <a:fillRef idx="1">
+            <a:schemeClr val="accent1"/>
+          </a:fillRef>
+          <a:effectRef idx="0">
+            <a:schemeClr val="accent1"/>
+          </a:effectRef>
+          <a:fontRef idx="minor">
+            <a:schemeClr val="lt1"/>
+          </a:fontRef>
+        </p:style>
+        <p:txBody>
+          <a:bodyPr rtlCol="0" anchor="ctr"/>
+          <a:lstStyle/>
+          <a:p>
+            <a:pPr algn="ctr"/>
+            <a:endParaRPr lang="en-US"/>
+          </a:p>
+        </p:txBody>
+      </p:sp>
+      <p:sp>
+        <p:nvSpPr>
+          <p:cNvPr id="2" name="Titre 1">
+            <a:extLst>
+              <a:ext uri="{FF2B5EF4-FFF2-40B4-BE49-F238E27FC236}">
+                <a16:creationId xmlns:a16="http://schemas.microsoft.com/office/drawing/2014/main" id="{D11BD230-2575-4231-9E0A-5EA764717AF1}"/>
+              </a:ext>
+            </a:extLst>
+          </p:cNvPr>
+          <p:cNvSpPr>
+            <a:spLocks noGrp="1"/>
+          </p:cNvSpPr>
+          <p:nvPr>
+            <p:ph type="title"/>
+          </p:nvPr>
+        </p:nvSpPr>
+        <p:spPr>
+          <a:xfrm>
+            <a:off x="526073" y="489439"/>
+            <a:ext cx="11139854" cy="930447"/>
           </a:xfrm>
         </p:spPr>
         <p:txBody>
-          <a:bodyPr/>
-          <a:lstStyle/>
-          <a:p>
-            <a:r>
-              <a:rPr lang="fr-FR" dirty="0"/>
-              <a:t>La </a:t>
-            </a:r>
-            <a:r>
-              <a:rPr lang="fr-FR" dirty="0" err="1"/>
-              <a:t>map</a:t>
-            </a:r>
-            <a:r>
-              <a:rPr lang="fr-FR" dirty="0"/>
-              <a:t> : </a:t>
-            </a:r>
-          </a:p>
-        </p:txBody>
-      </p:sp>
-      <p:sp>
-        <p:nvSpPr>
-          <p:cNvPr id="3" name="Espace réservé du contenu 2">
-            <a:extLst>
-              <a:ext uri="{FF2B5EF4-FFF2-40B4-BE49-F238E27FC236}">
-                <a16:creationId xmlns:a16="http://schemas.microsoft.com/office/drawing/2014/main" id="{546461B0-C6F2-4DBE-B1C3-05EB90855C79}"/>
-              </a:ext>
-            </a:extLst>
-          </p:cNvPr>
-          <p:cNvSpPr>
-            <a:spLocks noGrp="1"/>
-          </p:cNvSpPr>
-          <p:nvPr>
-            <p:ph idx="1"/>
-          </p:nvPr>
-        </p:nvSpPr>
-        <p:spPr/>
-        <p:txBody>
-          <a:bodyPr/>
-          <a:lstStyle/>
-          <a:p>
-            <a:endParaRPr lang="fr-FR" dirty="0"/>
-          </a:p>
-        </p:txBody>
-      </p:sp>
+          <a:bodyPr vert="horz" lIns="91440" tIns="45720" rIns="91440" bIns="45720" rtlCol="0" anchor="b">
+            <a:normAutofit/>
+          </a:bodyPr>
+          <a:lstStyle/>
+          <a:p>
+            <a:pPr algn="ctr"/>
+            <a:r>
+              <a:rPr lang="en-US" sz="5400" kern="1200">
+                <a:solidFill>
+                  <a:schemeClr val="bg1"/>
+                </a:solidFill>
+                <a:latin typeface="+mj-lt"/>
+                <a:ea typeface="+mj-ea"/>
+                <a:cs typeface="+mj-cs"/>
+              </a:rPr>
+              <a:t>La map : </a:t>
+            </a:r>
+          </a:p>
+        </p:txBody>
+      </p:sp>
+      <p:cxnSp>
+        <p:nvCxnSpPr>
+          <p:cNvPr id="77" name="Straight Connector 76">
+            <a:extLst>
+              <a:ext uri="{FF2B5EF4-FFF2-40B4-BE49-F238E27FC236}">
+                <a16:creationId xmlns:a16="http://schemas.microsoft.com/office/drawing/2014/main" id="{A82415D3-DDE5-4D63-8CB3-23A5EC581B27}"/>
+              </a:ext>
+              <a:ext uri="{C183D7F6-B498-43B3-948B-1728B52AA6E4}">
+                <adec:decorative xmlns:adec="http://schemas.microsoft.com/office/drawing/2017/decorative" val="1"/>
+              </a:ext>
+            </a:extLst>
+          </p:cNvPr>
+          <p:cNvCxnSpPr>
+            <a:cxnSpLocks noGrp="1" noRot="1" noChangeAspect="1" noMove="1" noResize="1" noEditPoints="1" noAdjustHandles="1" noChangeArrowheads="1" noChangeShapeType="1"/>
+          </p:cNvCxnSpPr>
+          <p:nvPr>
+            <p:extLst>
+              <p:ext uri="{386F3935-93C4-4BCD-93E2-E3B085C9AB24}">
+                <p16:designElem xmlns:p16="http://schemas.microsoft.com/office/powerpoint/2015/main" val="1"/>
+              </p:ext>
+            </p:extLst>
+          </p:nvPr>
+        </p:nvCxnSpPr>
+        <p:spPr>
+          <a:xfrm>
+            <a:off x="4724400" y="1479733"/>
+            <a:ext cx="2743200" cy="0"/>
+          </a:xfrm>
+          <a:prstGeom prst="line">
+            <a:avLst/>
+          </a:prstGeom>
+          <a:ln w="19050">
+            <a:solidFill>
+              <a:schemeClr val="bg1">
+                <a:alpha val="75000"/>
+              </a:schemeClr>
+            </a:solidFill>
+          </a:ln>
+        </p:spPr>
+        <p:style>
+          <a:lnRef idx="1">
+            <a:schemeClr val="accent1"/>
+          </a:lnRef>
+          <a:fillRef idx="0">
+            <a:schemeClr val="accent1"/>
+          </a:fillRef>
+          <a:effectRef idx="0">
+            <a:schemeClr val="accent1"/>
+          </a:effectRef>
+          <a:fontRef idx="minor">
+            <a:schemeClr val="tx1"/>
+          </a:fontRef>
+        </p:style>
+      </p:cxnSp>
+      <p:cxnSp>
+        <p:nvCxnSpPr>
+          <p:cNvPr id="79" name="Straight Connector 78">
+            <a:extLst>
+              <a:ext uri="{FF2B5EF4-FFF2-40B4-BE49-F238E27FC236}">
+                <a16:creationId xmlns:a16="http://schemas.microsoft.com/office/drawing/2014/main" id="{AD7193FB-6AE6-4B3B-8F89-56B55DD63B4D}"/>
+              </a:ext>
+              <a:ext uri="{C183D7F6-B498-43B3-948B-1728B52AA6E4}">
+                <adec:decorative xmlns:adec="http://schemas.microsoft.com/office/drawing/2017/decorative" val="1"/>
+              </a:ext>
+            </a:extLst>
+          </p:cNvPr>
+          <p:cNvCxnSpPr>
+            <a:cxnSpLocks noGrp="1" noRot="1" noChangeAspect="1" noMove="1" noResize="1" noEditPoints="1" noAdjustHandles="1" noChangeArrowheads="1" noChangeShapeType="1"/>
+          </p:cNvCxnSpPr>
+          <p:nvPr>
+            <p:extLst>
+              <p:ext uri="{386F3935-93C4-4BCD-93E2-E3B085C9AB24}">
+                <p16:designElem xmlns:p16="http://schemas.microsoft.com/office/powerpoint/2015/main" val="1"/>
+              </p:ext>
+            </p:extLst>
+          </p:nvPr>
+        </p:nvCxnSpPr>
+        <p:spPr bwMode="white">
+          <a:xfrm>
+            <a:off x="0" y="2201402"/>
+            <a:ext cx="12188824" cy="0"/>
+          </a:xfrm>
+          <a:prstGeom prst="line">
+            <a:avLst/>
+          </a:prstGeom>
+          <a:ln w="50800">
+            <a:solidFill>
+              <a:schemeClr val="tx1">
+                <a:lumMod val="75000"/>
+                <a:lumOff val="25000"/>
+              </a:schemeClr>
+            </a:solidFill>
+          </a:ln>
+        </p:spPr>
+        <p:style>
+          <a:lnRef idx="1">
+            <a:schemeClr val="accent1"/>
+          </a:lnRef>
+          <a:fillRef idx="0">
+            <a:schemeClr val="accent1"/>
+          </a:fillRef>
+          <a:effectRef idx="0">
+            <a:schemeClr val="accent1"/>
+          </a:effectRef>
+          <a:fontRef idx="minor">
+            <a:schemeClr val="tx1"/>
+          </a:fontRef>
+        </p:style>
+      </p:cxnSp>
       <p:pic>
         <p:nvPicPr>
           <p:cNvPr id="7172" name="Picture 4">
@@ -3401,9 +3700,11 @@
             </a:extLst>
           </p:cNvPr>
           <p:cNvPicPr>
-            <a:picLocks noChangeAspect="1" noChangeArrowheads="1"/>
+            <a:picLocks noGrp="1" noChangeAspect="1" noChangeArrowheads="1"/>
           </p:cNvPicPr>
-          <p:nvPr/>
+          <p:nvPr>
+            <p:ph idx="1"/>
+          </p:nvPr>
         </p:nvPicPr>
         <p:blipFill>
           <a:blip r:embed="rId2">
@@ -3413,15 +3714,14 @@
               </a:ext>
             </a:extLst>
           </a:blip>
-          <a:srcRect/>
           <a:stretch>
             <a:fillRect/>
           </a:stretch>
         </p:blipFill>
         <p:spPr bwMode="auto">
           <a:xfrm>
-            <a:off x="2507793" y="2308841"/>
-            <a:ext cx="6113874" cy="2785673"/>
+            <a:off x="1651172" y="2427541"/>
+            <a:ext cx="8834556" cy="3997637"/>
           </a:xfrm>
           <a:prstGeom prst="rect">
             <a:avLst/>
@@ -3451,9 +3751,17 @@
 </p:sld>
 </file>
 
-<file path=ppt/slides/slide2.xml><?xml version="1.0" encoding="utf-8"?>
+<file path=ppt/slides/slide3.xml><?xml version="1.0" encoding="utf-8"?>
 <p:sld xmlns:a="http://schemas.openxmlformats.org/drawingml/2006/main" xmlns:r="http://schemas.openxmlformats.org/officeDocument/2006/relationships" xmlns:p="http://schemas.openxmlformats.org/presentationml/2006/main">
   <p:cSld>
+    <p:bg>
+      <p:bgPr>
+        <a:solidFill>
+          <a:schemeClr val="bg1"/>
+        </a:solidFill>
+        <a:effectLst/>
+      </p:bgPr>
+    </p:bg>
     <p:spTree>
       <p:nvGrpSpPr>
         <p:cNvPr id="1" name=""/>
@@ -3468,28 +3776,155 @@
           <a:chExt cx="0" cy="0"/>
         </a:xfrm>
       </p:grpSpPr>
-      <p:sp>
-        <p:nvSpPr>
-          <p:cNvPr id="2" name="Titre 1">
-            <a:extLst>
-              <a:ext uri="{FF2B5EF4-FFF2-40B4-BE49-F238E27FC236}">
-                <a16:creationId xmlns:a16="http://schemas.microsoft.com/office/drawing/2014/main" id="{BFEA52E9-8656-40DE-A146-FAD2114A4105}"/>
-              </a:ext>
-            </a:extLst>
-          </p:cNvPr>
-          <p:cNvSpPr>
-            <a:spLocks noGrp="1"/>
-          </p:cNvSpPr>
-          <p:nvPr>
-            <p:ph type="title"/>
-          </p:nvPr>
-        </p:nvSpPr>
-        <p:spPr/>
-        <p:txBody>
-          <a:bodyPr/>
-          <a:lstStyle/>
-          <a:p>
-            <a:endParaRPr lang="fr-FR"/>
+      <p:sp useBgFill="1">
+        <p:nvSpPr>
+          <p:cNvPr id="143" name="Rectangle 142">
+            <a:extLst>
+              <a:ext uri="{FF2B5EF4-FFF2-40B4-BE49-F238E27FC236}">
+                <a16:creationId xmlns:a16="http://schemas.microsoft.com/office/drawing/2014/main" id="{433FE54A-A994-42FB-94E0-168474F6B9D8}"/>
+              </a:ext>
+              <a:ext uri="{C183D7F6-B498-43B3-948B-1728B52AA6E4}">
+                <adec:decorative xmlns:adec="http://schemas.microsoft.com/office/drawing/2017/decorative" val="1"/>
+              </a:ext>
+            </a:extLst>
+          </p:cNvPr>
+          <p:cNvSpPr>
+            <a:spLocks noGrp="1" noRot="1" noChangeAspect="1" noMove="1" noResize="1" noEditPoints="1" noAdjustHandles="1" noChangeArrowheads="1" noChangeShapeType="1" noTextEdit="1"/>
+          </p:cNvSpPr>
+          <p:nvPr>
+            <p:extLst>
+              <p:ext uri="{386F3935-93C4-4BCD-93E2-E3B085C9AB24}">
+                <p16:designElem xmlns:p16="http://schemas.microsoft.com/office/powerpoint/2015/main" val="1"/>
+              </p:ext>
+            </p:extLst>
+          </p:nvPr>
+        </p:nvSpPr>
+        <p:spPr>
+          <a:xfrm>
+            <a:off x="0" y="0"/>
+            <a:ext cx="12192000" cy="6858000"/>
+          </a:xfrm>
+          <a:prstGeom prst="rect">
+            <a:avLst/>
+          </a:prstGeom>
+          <a:ln>
+            <a:noFill/>
+          </a:ln>
+        </p:spPr>
+        <p:style>
+          <a:lnRef idx="2">
+            <a:schemeClr val="accent1">
+              <a:shade val="50000"/>
+            </a:schemeClr>
+          </a:lnRef>
+          <a:fillRef idx="1">
+            <a:schemeClr val="accent1"/>
+          </a:fillRef>
+          <a:effectRef idx="0">
+            <a:schemeClr val="accent1"/>
+          </a:effectRef>
+          <a:fontRef idx="minor">
+            <a:schemeClr val="lt1"/>
+          </a:fontRef>
+        </p:style>
+        <p:txBody>
+          <a:bodyPr rtlCol="0" anchor="ctr"/>
+          <a:lstStyle/>
+          <a:p>
+            <a:pPr algn="ctr"/>
+            <a:endParaRPr lang="en-US"/>
+          </a:p>
+        </p:txBody>
+      </p:sp>
+      <p:sp>
+        <p:nvSpPr>
+          <p:cNvPr id="145" name="Rectangle 144">
+            <a:extLst>
+              <a:ext uri="{FF2B5EF4-FFF2-40B4-BE49-F238E27FC236}">
+                <a16:creationId xmlns:a16="http://schemas.microsoft.com/office/drawing/2014/main" id="{FFD7B477-8513-4219-81DB-3A481B53EC7E}"/>
+              </a:ext>
+              <a:ext uri="{C183D7F6-B498-43B3-948B-1728B52AA6E4}">
+                <adec:decorative xmlns:adec="http://schemas.microsoft.com/office/drawing/2017/decorative" val="1"/>
+              </a:ext>
+            </a:extLst>
+          </p:cNvPr>
+          <p:cNvSpPr>
+            <a:spLocks noGrp="1" noRot="1" noChangeAspect="1" noMove="1" noResize="1" noEditPoints="1" noAdjustHandles="1" noChangeArrowheads="1" noChangeShapeType="1" noTextEdit="1"/>
+          </p:cNvSpPr>
+          <p:nvPr>
+            <p:extLst>
+              <p:ext uri="{386F3935-93C4-4BCD-93E2-E3B085C9AB24}">
+                <p16:designElem xmlns:p16="http://schemas.microsoft.com/office/powerpoint/2015/main" val="1"/>
+              </p:ext>
+            </p:extLst>
+          </p:nvPr>
+        </p:nvSpPr>
+        <p:spPr>
+          <a:xfrm>
+            <a:off x="842772" y="0"/>
+            <a:ext cx="10506456" cy="136525"/>
+          </a:xfrm>
+          <a:prstGeom prst="rect">
+            <a:avLst/>
+          </a:prstGeom>
+          <a:solidFill>
+            <a:schemeClr val="accent2"/>
+          </a:solidFill>
+          <a:ln>
+            <a:noFill/>
+          </a:ln>
+        </p:spPr>
+        <p:style>
+          <a:lnRef idx="2">
+            <a:schemeClr val="accent1">
+              <a:shade val="50000"/>
+            </a:schemeClr>
+          </a:lnRef>
+          <a:fillRef idx="1">
+            <a:schemeClr val="accent1"/>
+          </a:fillRef>
+          <a:effectRef idx="0">
+            <a:schemeClr val="accent1"/>
+          </a:effectRef>
+          <a:fontRef idx="minor">
+            <a:schemeClr val="lt1"/>
+          </a:fontRef>
+        </p:style>
+        <p:txBody>
+          <a:bodyPr rtlCol="0" anchor="ctr"/>
+          <a:lstStyle/>
+          <a:p>
+            <a:pPr marL="0" marR="0" lvl="0" indent="0" algn="ctr" defTabSz="914400" rtl="0" eaLnBrk="1" fontAlgn="auto" latinLnBrk="0" hangingPunct="1">
+              <a:lnSpc>
+                <a:spcPct val="100000"/>
+              </a:lnSpc>
+              <a:spcBef>
+                <a:spcPts val="0"/>
+              </a:spcBef>
+              <a:spcAft>
+                <a:spcPts val="0"/>
+              </a:spcAft>
+              <a:buClrTx/>
+              <a:buSzTx/>
+              <a:buFontTx/>
+              <a:buNone/>
+              <a:tabLst/>
+              <a:defRPr/>
+            </a:pPr>
+            <a:endParaRPr kumimoji="0" lang="en-US" sz="1800" b="0" i="0" u="none" strike="noStrike" kern="1200" cap="none" spc="0" normalizeH="0" baseline="0" noProof="0">
+              <a:ln>
+                <a:noFill/>
+              </a:ln>
+              <a:solidFill>
+                <a:prstClr val="white"/>
+              </a:solidFill>
+              <a:effectLst/>
+              <a:uLnTx/>
+              <a:uFillTx/>
+              <a:latin typeface="Calibri" panose="020F0502020204030204"/>
+              <a:ea typeface="+mn-ea"/>
+              <a:cs typeface="+mn-cs"/>
+            </a:endParaRPr>
           </a:p>
         </p:txBody>
       </p:sp>
@@ -3509,7 +3944,7 @@
             <p:ph idx="1"/>
           </p:nvPr>
         </p:nvPicPr>
-        <p:blipFill>
+        <p:blipFill rotWithShape="1">
           <a:blip r:embed="rId2">
             <a:extLst>
               <a:ext uri="{28A0092B-C50C-407E-A947-70E740481C1C}">
@@ -3517,15 +3952,13 @@
               </a:ext>
             </a:extLst>
           </a:blip>
-          <a:srcRect/>
-          <a:stretch>
-            <a:fillRect/>
-          </a:stretch>
+          <a:srcRect r="-1" b="2409"/>
+          <a:stretch/>
         </p:blipFill>
         <p:spPr bwMode="auto">
           <a:xfrm>
-            <a:off x="1400863" y="1867570"/>
-            <a:ext cx="8400372" cy="4351338"/>
+            <a:off x="838200" y="618387"/>
+            <a:ext cx="10506456" cy="5306075"/>
           </a:xfrm>
           <a:prstGeom prst="rect">
             <a:avLst/>
@@ -3542,6 +3975,99 @@
           </a:extLst>
         </p:spPr>
       </p:pic>
+      <p:sp>
+        <p:nvSpPr>
+          <p:cNvPr id="147" name="Rectangle 146">
+            <a:extLst>
+              <a:ext uri="{FF2B5EF4-FFF2-40B4-BE49-F238E27FC236}">
+                <a16:creationId xmlns:a16="http://schemas.microsoft.com/office/drawing/2014/main" id="{F16BB282-D67A-4262-B395-9B9E59382957}"/>
+              </a:ext>
+              <a:ext uri="{C183D7F6-B498-43B3-948B-1728B52AA6E4}">
+                <adec:decorative xmlns:adec="http://schemas.microsoft.com/office/drawing/2017/decorative" val="1"/>
+              </a:ext>
+            </a:extLst>
+          </p:cNvPr>
+          <p:cNvSpPr>
+            <a:spLocks noGrp="1" noRot="1" noChangeAspect="1" noMove="1" noResize="1" noEditPoints="1" noAdjustHandles="1" noChangeArrowheads="1" noChangeShapeType="1" noTextEdit="1"/>
+          </p:cNvSpPr>
+          <p:nvPr>
+            <p:extLst>
+              <p:ext uri="{386F3935-93C4-4BCD-93E2-E3B085C9AB24}">
+                <p16:designElem xmlns:p16="http://schemas.microsoft.com/office/powerpoint/2015/main" val="1"/>
+              </p:ext>
+            </p:extLst>
+          </p:nvPr>
+        </p:nvSpPr>
+        <p:spPr>
+          <a:xfrm>
+            <a:off x="841248" y="6338062"/>
+            <a:ext cx="10506456" cy="18288"/>
+          </a:xfrm>
+          <a:prstGeom prst="rect">
+            <a:avLst/>
+          </a:prstGeom>
+          <a:solidFill>
+            <a:srgbClr val="D5D5D5"/>
+          </a:solidFill>
+          <a:ln w="3175">
+            <a:noFill/>
+          </a:ln>
+          <a:effectLst/>
+        </p:spPr>
+        <p:style>
+          <a:lnRef idx="2">
+            <a:schemeClr val="accent1">
+              <a:shade val="50000"/>
+            </a:schemeClr>
+          </a:lnRef>
+          <a:fillRef idx="1">
+            <a:schemeClr val="accent1"/>
+          </a:fillRef>
+          <a:effectRef idx="0">
+            <a:schemeClr val="accent1"/>
+          </a:effectRef>
+          <a:fontRef idx="minor">
+            <a:schemeClr val="lt1"/>
+          </a:fontRef>
+        </p:style>
+        <p:txBody>
+          <a:bodyPr rtlCol="0" anchor="ctr"/>
+          <a:lstStyle/>
+          <a:p>
+            <a:pPr marL="0" marR="0" lvl="0" indent="0" algn="ctr" defTabSz="914400" rtl="0" eaLnBrk="1" fontAlgn="auto" latinLnBrk="0" hangingPunct="1">
+              <a:lnSpc>
+                <a:spcPct val="100000"/>
+              </a:lnSpc>
+              <a:spcBef>
+                <a:spcPts val="0"/>
+              </a:spcBef>
+              <a:spcAft>
+                <a:spcPts val="0"/>
+              </a:spcAft>
+              <a:buClrTx/>
+              <a:buSzTx/>
+              <a:buFontTx/>
+              <a:buNone/>
+              <a:tabLst/>
+              <a:defRPr/>
+            </a:pPr>
+            <a:endParaRPr kumimoji="0" lang="en-US" sz="1800" b="0" i="0" u="none" strike="noStrike" kern="1200" cap="none" spc="0" normalizeH="0" baseline="0" noProof="0">
+              <a:ln>
+                <a:noFill/>
+              </a:ln>
+              <a:solidFill>
+                <a:prstClr val="white"/>
+              </a:solidFill>
+              <a:effectLst/>
+              <a:uLnTx/>
+              <a:uFillTx/>
+              <a:latin typeface="Calibri" panose="020F0502020204030204"/>
+              <a:ea typeface="+mn-ea"/>
+              <a:cs typeface="+mn-cs"/>
+            </a:endParaRPr>
+          </a:p>
+        </p:txBody>
+      </p:sp>
     </p:spTree>
     <p:extLst>
       <p:ext uri="{BB962C8B-B14F-4D97-AF65-F5344CB8AC3E}">
@@ -3555,9 +4081,17 @@
 </p:sld>
 </file>
 
-<file path=ppt/slides/slide3.xml><?xml version="1.0" encoding="utf-8"?>
+<file path=ppt/slides/slide4.xml><?xml version="1.0" encoding="utf-8"?>
 <p:sld xmlns:a="http://schemas.openxmlformats.org/drawingml/2006/main" xmlns:r="http://schemas.openxmlformats.org/officeDocument/2006/relationships" xmlns:p="http://schemas.openxmlformats.org/presentationml/2006/main">
   <p:cSld>
+    <p:bg>
+      <p:bgPr>
+        <a:solidFill>
+          <a:schemeClr val="bg1"/>
+        </a:solidFill>
+        <a:effectLst/>
+      </p:bgPr>
+    </p:bg>
     <p:spTree>
       <p:nvGrpSpPr>
         <p:cNvPr id="1" name=""/>
@@ -3572,28 +4106,155 @@
           <a:chExt cx="0" cy="0"/>
         </a:xfrm>
       </p:grpSpPr>
-      <p:sp>
-        <p:nvSpPr>
-          <p:cNvPr id="2" name="Titre 1">
-            <a:extLst>
-              <a:ext uri="{FF2B5EF4-FFF2-40B4-BE49-F238E27FC236}">
-                <a16:creationId xmlns:a16="http://schemas.microsoft.com/office/drawing/2014/main" id="{C3E5D6B4-1F7F-4F6F-AAE8-360CECF4D1E8}"/>
-              </a:ext>
-            </a:extLst>
-          </p:cNvPr>
-          <p:cNvSpPr>
-            <a:spLocks noGrp="1"/>
-          </p:cNvSpPr>
-          <p:nvPr>
-            <p:ph type="title"/>
-          </p:nvPr>
-        </p:nvSpPr>
-        <p:spPr/>
-        <p:txBody>
-          <a:bodyPr/>
-          <a:lstStyle/>
-          <a:p>
-            <a:endParaRPr lang="fr-FR"/>
+      <p:sp useBgFill="1">
+        <p:nvSpPr>
+          <p:cNvPr id="135" name="Rectangle 134">
+            <a:extLst>
+              <a:ext uri="{FF2B5EF4-FFF2-40B4-BE49-F238E27FC236}">
+                <a16:creationId xmlns:a16="http://schemas.microsoft.com/office/drawing/2014/main" id="{69E6EFEE-6516-482C-B143-F97F9BF89D0E}"/>
+              </a:ext>
+              <a:ext uri="{C183D7F6-B498-43B3-948B-1728B52AA6E4}">
+                <adec:decorative xmlns:adec="http://schemas.microsoft.com/office/drawing/2017/decorative" val="1"/>
+              </a:ext>
+            </a:extLst>
+          </p:cNvPr>
+          <p:cNvSpPr>
+            <a:spLocks noGrp="1" noRot="1" noChangeAspect="1" noMove="1" noResize="1" noEditPoints="1" noAdjustHandles="1" noChangeArrowheads="1" noChangeShapeType="1" noTextEdit="1"/>
+          </p:cNvSpPr>
+          <p:nvPr>
+            <p:extLst>
+              <p:ext uri="{386F3935-93C4-4BCD-93E2-E3B085C9AB24}">
+                <p16:designElem xmlns:p16="http://schemas.microsoft.com/office/powerpoint/2015/main" val="1"/>
+              </p:ext>
+            </p:extLst>
+          </p:nvPr>
+        </p:nvSpPr>
+        <p:spPr>
+          <a:xfrm>
+            <a:off x="0" y="0"/>
+            <a:ext cx="12192000" cy="6858000"/>
+          </a:xfrm>
+          <a:prstGeom prst="rect">
+            <a:avLst/>
+          </a:prstGeom>
+          <a:ln>
+            <a:noFill/>
+          </a:ln>
+        </p:spPr>
+        <p:style>
+          <a:lnRef idx="2">
+            <a:schemeClr val="accent1">
+              <a:shade val="50000"/>
+            </a:schemeClr>
+          </a:lnRef>
+          <a:fillRef idx="1">
+            <a:schemeClr val="accent1"/>
+          </a:fillRef>
+          <a:effectRef idx="0">
+            <a:schemeClr val="accent1"/>
+          </a:effectRef>
+          <a:fontRef idx="minor">
+            <a:schemeClr val="lt1"/>
+          </a:fontRef>
+        </p:style>
+        <p:txBody>
+          <a:bodyPr rtlCol="0" anchor="ctr"/>
+          <a:lstStyle/>
+          <a:p>
+            <a:pPr algn="ctr"/>
+            <a:endParaRPr lang="en-US"/>
+          </a:p>
+        </p:txBody>
+      </p:sp>
+      <p:sp>
+        <p:nvSpPr>
+          <p:cNvPr id="137" name="Rectangle 136">
+            <a:extLst>
+              <a:ext uri="{FF2B5EF4-FFF2-40B4-BE49-F238E27FC236}">
+                <a16:creationId xmlns:a16="http://schemas.microsoft.com/office/drawing/2014/main" id="{3DF0D2C0-CD0C-470C-8851-D8B2CC417CB9}"/>
+              </a:ext>
+              <a:ext uri="{C183D7F6-B498-43B3-948B-1728B52AA6E4}">
+                <adec:decorative xmlns:adec="http://schemas.microsoft.com/office/drawing/2017/decorative" val="1"/>
+              </a:ext>
+            </a:extLst>
+          </p:cNvPr>
+          <p:cNvSpPr>
+            <a:spLocks noGrp="1" noRot="1" noChangeAspect="1" noMove="1" noResize="1" noEditPoints="1" noAdjustHandles="1" noChangeArrowheads="1" noChangeShapeType="1" noTextEdit="1"/>
+          </p:cNvSpPr>
+          <p:nvPr>
+            <p:extLst>
+              <p:ext uri="{386F3935-93C4-4BCD-93E2-E3B085C9AB24}">
+                <p16:designElem xmlns:p16="http://schemas.microsoft.com/office/powerpoint/2015/main" val="1"/>
+              </p:ext>
+            </p:extLst>
+          </p:nvPr>
+        </p:nvSpPr>
+        <p:spPr>
+          <a:xfrm rot="16200000">
+            <a:off x="-2748766" y="3248002"/>
+            <a:ext cx="5688917" cy="191386"/>
+          </a:xfrm>
+          <a:prstGeom prst="rect">
+            <a:avLst/>
+          </a:prstGeom>
+          <a:solidFill>
+            <a:schemeClr val="accent2"/>
+          </a:solidFill>
+          <a:ln>
+            <a:noFill/>
+          </a:ln>
+        </p:spPr>
+        <p:style>
+          <a:lnRef idx="2">
+            <a:schemeClr val="accent1">
+              <a:shade val="50000"/>
+            </a:schemeClr>
+          </a:lnRef>
+          <a:fillRef idx="1">
+            <a:schemeClr val="accent1"/>
+          </a:fillRef>
+          <a:effectRef idx="0">
+            <a:schemeClr val="accent1"/>
+          </a:effectRef>
+          <a:fontRef idx="minor">
+            <a:schemeClr val="lt1"/>
+          </a:fontRef>
+        </p:style>
+        <p:txBody>
+          <a:bodyPr rtlCol="0" anchor="ctr"/>
+          <a:lstStyle/>
+          <a:p>
+            <a:pPr marL="0" marR="0" lvl="0" indent="0" algn="ctr" defTabSz="914400" rtl="0" eaLnBrk="1" fontAlgn="auto" latinLnBrk="0" hangingPunct="1">
+              <a:lnSpc>
+                <a:spcPct val="100000"/>
+              </a:lnSpc>
+              <a:spcBef>
+                <a:spcPts val="0"/>
+              </a:spcBef>
+              <a:spcAft>
+                <a:spcPts val="0"/>
+              </a:spcAft>
+              <a:buClrTx/>
+              <a:buSzTx/>
+              <a:buFontTx/>
+              <a:buNone/>
+              <a:tabLst/>
+              <a:defRPr/>
+            </a:pPr>
+            <a:endParaRPr kumimoji="0" lang="en-US" sz="1800" b="0" i="0" u="none" strike="noStrike" kern="1200" cap="none" spc="0" normalizeH="0" baseline="0" noProof="0">
+              <a:ln>
+                <a:noFill/>
+              </a:ln>
+              <a:solidFill>
+                <a:prstClr val="white"/>
+              </a:solidFill>
+              <a:effectLst/>
+              <a:uLnTx/>
+              <a:uFillTx/>
+              <a:latin typeface="Calibri" panose="020F0502020204030204"/>
+              <a:ea typeface="+mn-ea"/>
+              <a:cs typeface="+mn-cs"/>
+            </a:endParaRPr>
           </a:p>
         </p:txBody>
       </p:sp>
@@ -3613,7 +4274,7 @@
             <p:ph idx="1"/>
           </p:nvPr>
         </p:nvPicPr>
-        <p:blipFill>
+        <p:blipFill rotWithShape="1">
           <a:blip r:embed="rId2">
             <a:extLst>
               <a:ext uri="{28A0092B-C50C-407E-A947-70E740481C1C}">
@@ -3621,15 +4282,13 @@
               </a:ext>
             </a:extLst>
           </a:blip>
-          <a:srcRect/>
-          <a:stretch>
-            <a:fillRect/>
-          </a:stretch>
+          <a:srcRect r="1" b="288"/>
+          <a:stretch/>
         </p:blipFill>
         <p:spPr bwMode="auto">
           <a:xfrm>
-            <a:off x="1495891" y="1464898"/>
-            <a:ext cx="8428432" cy="4351338"/>
+            <a:off x="583656" y="499236"/>
+            <a:ext cx="11024687" cy="5688918"/>
           </a:xfrm>
           <a:prstGeom prst="rect">
             <a:avLst/>
@@ -3659,9 +4318,17 @@
 </p:sld>
 </file>
 
-<file path=ppt/slides/slide4.xml><?xml version="1.0" encoding="utf-8"?>
+<file path=ppt/slides/slide5.xml><?xml version="1.0" encoding="utf-8"?>
 <p:sld xmlns:a="http://schemas.openxmlformats.org/drawingml/2006/main" xmlns:r="http://schemas.openxmlformats.org/officeDocument/2006/relationships" xmlns:p="http://schemas.openxmlformats.org/presentationml/2006/main">
   <p:cSld>
+    <p:bg>
+      <p:bgPr>
+        <a:solidFill>
+          <a:schemeClr val="bg1"/>
+        </a:solidFill>
+        <a:effectLst/>
+      </p:bgPr>
+    </p:bg>
     <p:spTree>
       <p:nvGrpSpPr>
         <p:cNvPr id="1" name=""/>
@@ -3676,28 +4343,155 @@
           <a:chExt cx="0" cy="0"/>
         </a:xfrm>
       </p:grpSpPr>
-      <p:sp>
-        <p:nvSpPr>
-          <p:cNvPr id="2" name="Titre 1">
-            <a:extLst>
-              <a:ext uri="{FF2B5EF4-FFF2-40B4-BE49-F238E27FC236}">
-                <a16:creationId xmlns:a16="http://schemas.microsoft.com/office/drawing/2014/main" id="{3F4EE0B9-B226-44D5-84C3-66B24E20970E}"/>
-              </a:ext>
-            </a:extLst>
-          </p:cNvPr>
-          <p:cNvSpPr>
-            <a:spLocks noGrp="1"/>
-          </p:cNvSpPr>
-          <p:nvPr>
-            <p:ph type="title"/>
-          </p:nvPr>
-        </p:nvSpPr>
-        <p:spPr/>
-        <p:txBody>
-          <a:bodyPr/>
-          <a:lstStyle/>
-          <a:p>
-            <a:endParaRPr lang="fr-FR"/>
+      <p:sp useBgFill="1">
+        <p:nvSpPr>
+          <p:cNvPr id="135" name="Rectangle 134">
+            <a:extLst>
+              <a:ext uri="{FF2B5EF4-FFF2-40B4-BE49-F238E27FC236}">
+                <a16:creationId xmlns:a16="http://schemas.microsoft.com/office/drawing/2014/main" id="{69E6EFEE-6516-482C-B143-F97F9BF89D0E}"/>
+              </a:ext>
+              <a:ext uri="{C183D7F6-B498-43B3-948B-1728B52AA6E4}">
+                <adec:decorative xmlns:adec="http://schemas.microsoft.com/office/drawing/2017/decorative" val="1"/>
+              </a:ext>
+            </a:extLst>
+          </p:cNvPr>
+          <p:cNvSpPr>
+            <a:spLocks noGrp="1" noRot="1" noChangeAspect="1" noMove="1" noResize="1" noEditPoints="1" noAdjustHandles="1" noChangeArrowheads="1" noChangeShapeType="1" noTextEdit="1"/>
+          </p:cNvSpPr>
+          <p:nvPr>
+            <p:extLst>
+              <p:ext uri="{386F3935-93C4-4BCD-93E2-E3B085C9AB24}">
+                <p16:designElem xmlns:p16="http://schemas.microsoft.com/office/powerpoint/2015/main" val="1"/>
+              </p:ext>
+            </p:extLst>
+          </p:nvPr>
+        </p:nvSpPr>
+        <p:spPr>
+          <a:xfrm>
+            <a:off x="0" y="0"/>
+            <a:ext cx="12192000" cy="6858000"/>
+          </a:xfrm>
+          <a:prstGeom prst="rect">
+            <a:avLst/>
+          </a:prstGeom>
+          <a:ln>
+            <a:noFill/>
+          </a:ln>
+        </p:spPr>
+        <p:style>
+          <a:lnRef idx="2">
+            <a:schemeClr val="accent1">
+              <a:shade val="50000"/>
+            </a:schemeClr>
+          </a:lnRef>
+          <a:fillRef idx="1">
+            <a:schemeClr val="accent1"/>
+          </a:fillRef>
+          <a:effectRef idx="0">
+            <a:schemeClr val="accent1"/>
+          </a:effectRef>
+          <a:fontRef idx="minor">
+            <a:schemeClr val="lt1"/>
+          </a:fontRef>
+        </p:style>
+        <p:txBody>
+          <a:bodyPr rtlCol="0" anchor="ctr"/>
+          <a:lstStyle/>
+          <a:p>
+            <a:pPr algn="ctr"/>
+            <a:endParaRPr lang="en-US"/>
+          </a:p>
+        </p:txBody>
+      </p:sp>
+      <p:sp>
+        <p:nvSpPr>
+          <p:cNvPr id="137" name="Rectangle 136">
+            <a:extLst>
+              <a:ext uri="{FF2B5EF4-FFF2-40B4-BE49-F238E27FC236}">
+                <a16:creationId xmlns:a16="http://schemas.microsoft.com/office/drawing/2014/main" id="{3DF0D2C0-CD0C-470C-8851-D8B2CC417CB9}"/>
+              </a:ext>
+              <a:ext uri="{C183D7F6-B498-43B3-948B-1728B52AA6E4}">
+                <adec:decorative xmlns:adec="http://schemas.microsoft.com/office/drawing/2017/decorative" val="1"/>
+              </a:ext>
+            </a:extLst>
+          </p:cNvPr>
+          <p:cNvSpPr>
+            <a:spLocks noGrp="1" noRot="1" noChangeAspect="1" noMove="1" noResize="1" noEditPoints="1" noAdjustHandles="1" noChangeArrowheads="1" noChangeShapeType="1" noTextEdit="1"/>
+          </p:cNvSpPr>
+          <p:nvPr>
+            <p:extLst>
+              <p:ext uri="{386F3935-93C4-4BCD-93E2-E3B085C9AB24}">
+                <p16:designElem xmlns:p16="http://schemas.microsoft.com/office/powerpoint/2015/main" val="1"/>
+              </p:ext>
+            </p:extLst>
+          </p:nvPr>
+        </p:nvSpPr>
+        <p:spPr>
+          <a:xfrm rot="16200000">
+            <a:off x="-2748766" y="3248002"/>
+            <a:ext cx="5688917" cy="191386"/>
+          </a:xfrm>
+          <a:prstGeom prst="rect">
+            <a:avLst/>
+          </a:prstGeom>
+          <a:solidFill>
+            <a:schemeClr val="accent2"/>
+          </a:solidFill>
+          <a:ln>
+            <a:noFill/>
+          </a:ln>
+        </p:spPr>
+        <p:style>
+          <a:lnRef idx="2">
+            <a:schemeClr val="accent1">
+              <a:shade val="50000"/>
+            </a:schemeClr>
+          </a:lnRef>
+          <a:fillRef idx="1">
+            <a:schemeClr val="accent1"/>
+          </a:fillRef>
+          <a:effectRef idx="0">
+            <a:schemeClr val="accent1"/>
+          </a:effectRef>
+          <a:fontRef idx="minor">
+            <a:schemeClr val="lt1"/>
+          </a:fontRef>
+        </p:style>
+        <p:txBody>
+          <a:bodyPr rtlCol="0" anchor="ctr"/>
+          <a:lstStyle/>
+          <a:p>
+            <a:pPr marL="0" marR="0" lvl="0" indent="0" algn="ctr" defTabSz="914400" rtl="0" eaLnBrk="1" fontAlgn="auto" latinLnBrk="0" hangingPunct="1">
+              <a:lnSpc>
+                <a:spcPct val="100000"/>
+              </a:lnSpc>
+              <a:spcBef>
+                <a:spcPts val="0"/>
+              </a:spcBef>
+              <a:spcAft>
+                <a:spcPts val="0"/>
+              </a:spcAft>
+              <a:buClrTx/>
+              <a:buSzTx/>
+              <a:buFontTx/>
+              <a:buNone/>
+              <a:tabLst/>
+              <a:defRPr/>
+            </a:pPr>
+            <a:endParaRPr kumimoji="0" lang="en-US" sz="1800" b="0" i="0" u="none" strike="noStrike" kern="1200" cap="none" spc="0" normalizeH="0" baseline="0" noProof="0">
+              <a:ln>
+                <a:noFill/>
+              </a:ln>
+              <a:solidFill>
+                <a:prstClr val="white"/>
+              </a:solidFill>
+              <a:effectLst/>
+              <a:uLnTx/>
+              <a:uFillTx/>
+              <a:latin typeface="Calibri" panose="020F0502020204030204"/>
+              <a:ea typeface="+mn-ea"/>
+              <a:cs typeface="+mn-cs"/>
+            </a:endParaRPr>
           </a:p>
         </p:txBody>
       </p:sp>
@@ -3717,7 +4511,7 @@
             <p:ph idx="1"/>
           </p:nvPr>
         </p:nvPicPr>
-        <p:blipFill>
+        <p:blipFill rotWithShape="1">
           <a:blip r:embed="rId2">
             <a:extLst>
               <a:ext uri="{28A0092B-C50C-407E-A947-70E740481C1C}">
@@ -3725,15 +4519,13 @@
               </a:ext>
             </a:extLst>
           </a:blip>
-          <a:srcRect/>
-          <a:stretch>
-            <a:fillRect/>
-          </a:stretch>
+          <a:srcRect l="197"/>
+          <a:stretch/>
         </p:blipFill>
         <p:spPr bwMode="auto">
           <a:xfrm>
-            <a:off x="1541241" y="1253331"/>
-            <a:ext cx="8456373" cy="4351338"/>
+            <a:off x="583656" y="499236"/>
+            <a:ext cx="11024687" cy="5688918"/>
           </a:xfrm>
           <a:prstGeom prst="rect">
             <a:avLst/>
@@ -3763,9 +4555,17 @@
 </p:sld>
 </file>
 
-<file path=ppt/slides/slide5.xml><?xml version="1.0" encoding="utf-8"?>
+<file path=ppt/slides/slide6.xml><?xml version="1.0" encoding="utf-8"?>
 <p:sld xmlns:a="http://schemas.openxmlformats.org/drawingml/2006/main" xmlns:r="http://schemas.openxmlformats.org/officeDocument/2006/relationships" xmlns:p="http://schemas.openxmlformats.org/presentationml/2006/main">
   <p:cSld>
+    <p:bg>
+      <p:bgPr>
+        <a:solidFill>
+          <a:schemeClr val="bg1"/>
+        </a:solidFill>
+        <a:effectLst/>
+      </p:bgPr>
+    </p:bg>
     <p:spTree>
       <p:nvGrpSpPr>
         <p:cNvPr id="1" name=""/>
@@ -3780,34 +4580,69 @@
           <a:chExt cx="0" cy="0"/>
         </a:xfrm>
       </p:grpSpPr>
-      <p:sp>
-        <p:nvSpPr>
-          <p:cNvPr id="2" name="Titre 1">
-            <a:extLst>
-              <a:ext uri="{FF2B5EF4-FFF2-40B4-BE49-F238E27FC236}">
-                <a16:creationId xmlns:a16="http://schemas.microsoft.com/office/drawing/2014/main" id="{177722C9-90E5-4241-B1A8-3469F1A2935D}"/>
-              </a:ext>
-            </a:extLst>
-          </p:cNvPr>
-          <p:cNvSpPr>
-            <a:spLocks noGrp="1"/>
-          </p:cNvSpPr>
-          <p:nvPr>
-            <p:ph type="title"/>
-          </p:nvPr>
-        </p:nvSpPr>
-        <p:spPr/>
-        <p:txBody>
-          <a:bodyPr/>
-          <a:lstStyle/>
-          <a:p>
-            <a:endParaRPr lang="fr-FR"/>
+      <p:sp useBgFill="1">
+        <p:nvSpPr>
+          <p:cNvPr id="135" name="Rectangle 134">
+            <a:extLst>
+              <a:ext uri="{FF2B5EF4-FFF2-40B4-BE49-F238E27FC236}">
+                <a16:creationId xmlns:a16="http://schemas.microsoft.com/office/drawing/2014/main" id="{7C1E5815-D54C-487F-A054-6D4930ADE3DF}"/>
+              </a:ext>
+              <a:ext uri="{C183D7F6-B498-43B3-948B-1728B52AA6E4}">
+                <adec:decorative xmlns:adec="http://schemas.microsoft.com/office/drawing/2017/decorative" val="1"/>
+              </a:ext>
+            </a:extLst>
+          </p:cNvPr>
+          <p:cNvSpPr>
+            <a:spLocks noGrp="1" noRot="1" noChangeAspect="1" noMove="1" noResize="1" noEditPoints="1" noAdjustHandles="1" noChangeArrowheads="1" noChangeShapeType="1" noTextEdit="1"/>
+          </p:cNvSpPr>
+          <p:nvPr>
+            <p:extLst>
+              <p:ext uri="{386F3935-93C4-4BCD-93E2-E3B085C9AB24}">
+                <p16:designElem xmlns:p16="http://schemas.microsoft.com/office/powerpoint/2015/main" val="1"/>
+              </p:ext>
+            </p:extLst>
+          </p:nvPr>
+        </p:nvSpPr>
+        <p:spPr>
+          <a:xfrm>
+            <a:off x="0" y="0"/>
+            <a:ext cx="12192000" cy="6858000"/>
+          </a:xfrm>
+          <a:prstGeom prst="rect">
+            <a:avLst/>
+          </a:prstGeom>
+          <a:ln>
+            <a:noFill/>
+          </a:ln>
+        </p:spPr>
+        <p:style>
+          <a:lnRef idx="2">
+            <a:schemeClr val="accent1">
+              <a:shade val="50000"/>
+            </a:schemeClr>
+          </a:lnRef>
+          <a:fillRef idx="1">
+            <a:schemeClr val="accent1"/>
+          </a:fillRef>
+          <a:effectRef idx="0">
+            <a:schemeClr val="accent1"/>
+          </a:effectRef>
+          <a:fontRef idx="minor">
+            <a:schemeClr val="lt1"/>
+          </a:fontRef>
+        </p:style>
+        <p:txBody>
+          <a:bodyPr rtlCol="0" anchor="ctr"/>
+          <a:lstStyle/>
+          <a:p>
+            <a:pPr algn="ctr"/>
+            <a:endParaRPr lang="en-US"/>
           </a:p>
         </p:txBody>
       </p:sp>
       <p:pic>
         <p:nvPicPr>
-          <p:cNvPr id="12290" name="Picture 2">
+          <p:cNvPr id="12290" name="Picture 2" descr="Une image contenant texte, draps et couvertures&#10;&#10;Description générée automatiquement">
             <a:extLst>
               <a:ext uri="{FF2B5EF4-FFF2-40B4-BE49-F238E27FC236}">
                 <a16:creationId xmlns:a16="http://schemas.microsoft.com/office/drawing/2014/main" id="{72500D6C-FFB9-4D53-B11E-C8BBA9477C67}"/>
@@ -3821,7 +4656,7 @@
             <p:ph idx="1"/>
           </p:nvPr>
         </p:nvPicPr>
-        <p:blipFill>
+        <p:blipFill rotWithShape="1">
           <a:blip r:embed="rId2">
             <a:extLst>
               <a:ext uri="{28A0092B-C50C-407E-A947-70E740481C1C}">
@@ -3829,15 +4664,13 @@
               </a:ext>
             </a:extLst>
           </a:blip>
-          <a:srcRect/>
-          <a:stretch>
-            <a:fillRect/>
-          </a:stretch>
+          <a:srcRect b="23771"/>
+          <a:stretch/>
         </p:blipFill>
         <p:spPr bwMode="auto">
           <a:xfrm>
-            <a:off x="2396999" y="1429431"/>
-            <a:ext cx="6539583" cy="4351338"/>
+            <a:off x="643467" y="1087008"/>
+            <a:ext cx="9240039" cy="4683986"/>
           </a:xfrm>
           <a:prstGeom prst="rect">
             <a:avLst/>
@@ -3854,6 +4687,974 @@
           </a:extLst>
         </p:spPr>
       </p:pic>
+      <p:sp>
+        <p:nvSpPr>
+          <p:cNvPr id="137" name="Freeform: Shape 136">
+            <a:extLst>
+              <a:ext uri="{FF2B5EF4-FFF2-40B4-BE49-F238E27FC236}">
+                <a16:creationId xmlns:a16="http://schemas.microsoft.com/office/drawing/2014/main" id="{736F0DFD-0954-464F-BF12-DD2E6F6E0380}"/>
+              </a:ext>
+              <a:ext uri="{C183D7F6-B498-43B3-948B-1728B52AA6E4}">
+                <adec:decorative xmlns:adec="http://schemas.microsoft.com/office/drawing/2017/decorative" val="1"/>
+              </a:ext>
+            </a:extLst>
+          </p:cNvPr>
+          <p:cNvSpPr>
+            <a:spLocks noGrp="1" noRot="1" noChangeAspect="1" noMove="1" noResize="1" noEditPoints="1" noAdjustHandles="1" noChangeArrowheads="1" noChangeShapeType="1" noTextEdit="1"/>
+          </p:cNvSpPr>
+          <p:nvPr>
+            <p:extLst>
+              <p:ext uri="{386F3935-93C4-4BCD-93E2-E3B085C9AB24}">
+                <p16:designElem xmlns:p16="http://schemas.microsoft.com/office/powerpoint/2015/main" val="1"/>
+              </p:ext>
+            </p:extLst>
+          </p:nvPr>
+        </p:nvSpPr>
+        <p:spPr>
+          <a:xfrm flipH="1">
+            <a:off x="10208496" y="0"/>
+            <a:ext cx="1983504" cy="6858000"/>
+          </a:xfrm>
+          <a:custGeom>
+            <a:avLst/>
+            <a:gdLst>
+              <a:gd name="connsiteX0" fmla="*/ 0 w 1983504"/>
+              <a:gd name="connsiteY0" fmla="*/ 0 h 6858000"/>
+              <a:gd name="connsiteX1" fmla="*/ 1376658 w 1983504"/>
+              <a:gd name="connsiteY1" fmla="*/ 0 h 6858000"/>
+              <a:gd name="connsiteX2" fmla="*/ 1690650 w 1983504"/>
+              <a:gd name="connsiteY2" fmla="*/ 110269 h 6858000"/>
+              <a:gd name="connsiteX3" fmla="*/ 1645361 w 1983504"/>
+              <a:gd name="connsiteY3" fmla="*/ 135168 h 6858000"/>
+              <a:gd name="connsiteX4" fmla="*/ 1373640 w 1983504"/>
+              <a:gd name="connsiteY4" fmla="*/ 71141 h 6858000"/>
+              <a:gd name="connsiteX5" fmla="*/ 1319295 w 1983504"/>
+              <a:gd name="connsiteY5" fmla="*/ 88927 h 6858000"/>
+              <a:gd name="connsiteX6" fmla="*/ 1346468 w 1983504"/>
+              <a:gd name="connsiteY6" fmla="*/ 163625 h 6858000"/>
+              <a:gd name="connsiteX7" fmla="*/ 1464213 w 1983504"/>
+              <a:gd name="connsiteY7" fmla="*/ 192082 h 6858000"/>
+              <a:gd name="connsiteX8" fmla="*/ 1648381 w 1983504"/>
+              <a:gd name="connsiteY8" fmla="*/ 373491 h 6858000"/>
+              <a:gd name="connsiteX9" fmla="*/ 1370620 w 1983504"/>
+              <a:gd name="connsiteY9" fmla="*/ 352148 h 6858000"/>
+              <a:gd name="connsiteX10" fmla="*/ 1322314 w 1983504"/>
+              <a:gd name="connsiteY10" fmla="*/ 394834 h 6858000"/>
+              <a:gd name="connsiteX11" fmla="*/ 1304199 w 1983504"/>
+              <a:gd name="connsiteY11" fmla="*/ 451747 h 6858000"/>
+              <a:gd name="connsiteX12" fmla="*/ 1222682 w 1983504"/>
+              <a:gd name="connsiteY12" fmla="*/ 359262 h 6858000"/>
+              <a:gd name="connsiteX13" fmla="*/ 1153242 w 1983504"/>
+              <a:gd name="connsiteY13" fmla="*/ 334364 h 6858000"/>
+              <a:gd name="connsiteX14" fmla="*/ 1132108 w 1983504"/>
+              <a:gd name="connsiteY14" fmla="*/ 416176 h 6858000"/>
+              <a:gd name="connsiteX15" fmla="*/ 1195509 w 1983504"/>
+              <a:gd name="connsiteY15" fmla="*/ 505101 h 6858000"/>
+              <a:gd name="connsiteX16" fmla="*/ 1364582 w 1983504"/>
+              <a:gd name="connsiteY16" fmla="*/ 558458 h 6858000"/>
+              <a:gd name="connsiteX17" fmla="*/ 1183434 w 1983504"/>
+              <a:gd name="connsiteY17" fmla="*/ 558458 h 6858000"/>
+              <a:gd name="connsiteX18" fmla="*/ 975114 w 1983504"/>
+              <a:gd name="connsiteY18" fmla="*/ 522887 h 6858000"/>
+              <a:gd name="connsiteX19" fmla="*/ 754716 w 1983504"/>
+              <a:gd name="connsiteY19" fmla="*/ 533558 h 6858000"/>
+              <a:gd name="connsiteX20" fmla="*/ 546395 w 1983504"/>
+              <a:gd name="connsiteY20" fmla="*/ 462417 h 6858000"/>
+              <a:gd name="connsiteX21" fmla="*/ 335056 w 1983504"/>
+              <a:gd name="connsiteY21" fmla="*/ 465975 h 6858000"/>
+              <a:gd name="connsiteX22" fmla="*/ 1270988 w 1983504"/>
+              <a:gd name="connsiteY22" fmla="*/ 910606 h 6858000"/>
+              <a:gd name="connsiteX23" fmla="*/ 1225701 w 1983504"/>
+              <a:gd name="connsiteY23" fmla="*/ 921277 h 6858000"/>
+              <a:gd name="connsiteX24" fmla="*/ 1165318 w 1983504"/>
+              <a:gd name="connsiteY24" fmla="*/ 949734 h 6858000"/>
+              <a:gd name="connsiteX25" fmla="*/ 1210606 w 1983504"/>
+              <a:gd name="connsiteY25" fmla="*/ 1006647 h 6858000"/>
+              <a:gd name="connsiteX26" fmla="*/ 1455156 w 1983504"/>
+              <a:gd name="connsiteY26" fmla="*/ 1113358 h 6858000"/>
+              <a:gd name="connsiteX27" fmla="*/ 1515538 w 1983504"/>
+              <a:gd name="connsiteY27" fmla="*/ 1220069 h 6858000"/>
+              <a:gd name="connsiteX28" fmla="*/ 1440060 w 1983504"/>
+              <a:gd name="connsiteY28" fmla="*/ 1209399 h 6858000"/>
+              <a:gd name="connsiteX29" fmla="*/ 1373640 w 1983504"/>
+              <a:gd name="connsiteY29" fmla="*/ 1230741 h 6858000"/>
+              <a:gd name="connsiteX30" fmla="*/ 1400810 w 1983504"/>
+              <a:gd name="connsiteY30" fmla="*/ 1365909 h 6858000"/>
+              <a:gd name="connsiteX31" fmla="*/ 1748012 w 1983504"/>
+              <a:gd name="connsiteY31" fmla="*/ 1540204 h 6858000"/>
+              <a:gd name="connsiteX32" fmla="*/ 1778203 w 1983504"/>
+              <a:gd name="connsiteY32" fmla="*/ 1597117 h 6858000"/>
+              <a:gd name="connsiteX33" fmla="*/ 1735936 w 1983504"/>
+              <a:gd name="connsiteY33" fmla="*/ 1636245 h 6858000"/>
+              <a:gd name="connsiteX34" fmla="*/ 1624228 w 1983504"/>
+              <a:gd name="connsiteY34" fmla="*/ 1657587 h 6858000"/>
+              <a:gd name="connsiteX35" fmla="*/ 1781223 w 1983504"/>
+              <a:gd name="connsiteY35" fmla="*/ 1849668 h 6858000"/>
+              <a:gd name="connsiteX36" fmla="*/ 1838587 w 1983504"/>
+              <a:gd name="connsiteY36" fmla="*/ 1903025 h 6858000"/>
+              <a:gd name="connsiteX37" fmla="*/ 1938218 w 1983504"/>
+              <a:gd name="connsiteY37" fmla="*/ 1984836 h 6858000"/>
+              <a:gd name="connsiteX38" fmla="*/ 1938218 w 1983504"/>
+              <a:gd name="connsiteY38" fmla="*/ 2013292 h 6858000"/>
+              <a:gd name="connsiteX39" fmla="*/ 1805376 w 1983504"/>
+              <a:gd name="connsiteY39" fmla="*/ 2102219 h 6858000"/>
+              <a:gd name="connsiteX40" fmla="*/ 1563844 w 1983504"/>
+              <a:gd name="connsiteY40" fmla="*/ 2077320 h 6858000"/>
+              <a:gd name="connsiteX41" fmla="*/ 1920104 w 1983504"/>
+              <a:gd name="connsiteY41" fmla="*/ 2208931 h 6858000"/>
+              <a:gd name="connsiteX42" fmla="*/ 766792 w 1983504"/>
+              <a:gd name="connsiteY42" fmla="*/ 1892353 h 6858000"/>
+              <a:gd name="connsiteX43" fmla="*/ 839252 w 1983504"/>
+              <a:gd name="connsiteY43" fmla="*/ 1974165 h 6858000"/>
+              <a:gd name="connsiteX44" fmla="*/ 1243816 w 1983504"/>
+              <a:gd name="connsiteY44" fmla="*/ 2191146 h 6858000"/>
+              <a:gd name="connsiteX45" fmla="*/ 1358543 w 1983504"/>
+              <a:gd name="connsiteY45" fmla="*/ 2326314 h 6858000"/>
+              <a:gd name="connsiteX46" fmla="*/ 1479310 w 1983504"/>
+              <a:gd name="connsiteY46" fmla="*/ 2401012 h 6858000"/>
+              <a:gd name="connsiteX47" fmla="*/ 1648381 w 1983504"/>
+              <a:gd name="connsiteY47" fmla="*/ 2401012 h 6858000"/>
+              <a:gd name="connsiteX48" fmla="*/ 1769146 w 1983504"/>
+              <a:gd name="connsiteY48" fmla="*/ 2518395 h 6858000"/>
+              <a:gd name="connsiteX49" fmla="*/ 1645361 w 1983504"/>
+              <a:gd name="connsiteY49" fmla="*/ 2543294 h 6858000"/>
+              <a:gd name="connsiteX50" fmla="*/ 1500444 w 1983504"/>
+              <a:gd name="connsiteY50" fmla="*/ 2525509 h 6858000"/>
+              <a:gd name="connsiteX51" fmla="*/ 1337410 w 1983504"/>
+              <a:gd name="connsiteY51" fmla="*/ 2564636 h 6858000"/>
+              <a:gd name="connsiteX52" fmla="*/ 1186452 w 1983504"/>
+              <a:gd name="connsiteY52" fmla="*/ 2532623 h 6858000"/>
+              <a:gd name="connsiteX53" fmla="*/ 1005304 w 1983504"/>
+              <a:gd name="connsiteY53" fmla="*/ 2553965 h 6858000"/>
+              <a:gd name="connsiteX54" fmla="*/ 947940 w 1983504"/>
+              <a:gd name="connsiteY54" fmla="*/ 2692689 h 6858000"/>
+              <a:gd name="connsiteX55" fmla="*/ 929826 w 1983504"/>
+              <a:gd name="connsiteY55" fmla="*/ 2703362 h 6858000"/>
+              <a:gd name="connsiteX56" fmla="*/ 594701 w 1983504"/>
+              <a:gd name="connsiteY56" fmla="*/ 2923898 h 6858000"/>
+              <a:gd name="connsiteX57" fmla="*/ 501108 w 1983504"/>
+              <a:gd name="connsiteY57" fmla="*/ 2941684 h 6858000"/>
+              <a:gd name="connsiteX58" fmla="*/ 1053610 w 1983504"/>
+              <a:gd name="connsiteY58" fmla="*/ 3329402 h 6858000"/>
+              <a:gd name="connsiteX59" fmla="*/ 682256 w 1983504"/>
+              <a:gd name="connsiteY59" fmla="*/ 3229805 h 6858000"/>
+              <a:gd name="connsiteX60" fmla="*/ 630932 w 1983504"/>
+              <a:gd name="connsiteY60" fmla="*/ 3393429 h 6858000"/>
+              <a:gd name="connsiteX61" fmla="*/ 806041 w 1983504"/>
+              <a:gd name="connsiteY61" fmla="*/ 3539269 h 6858000"/>
+              <a:gd name="connsiteX62" fmla="*/ 869444 w 1983504"/>
+              <a:gd name="connsiteY62" fmla="*/ 3827390 h 6858000"/>
+              <a:gd name="connsiteX63" fmla="*/ 839252 w 1983504"/>
+              <a:gd name="connsiteY63" fmla="*/ 4090612 h 6858000"/>
+              <a:gd name="connsiteX64" fmla="*/ 763774 w 1983504"/>
+              <a:gd name="connsiteY64" fmla="*/ 4172424 h 6858000"/>
+              <a:gd name="connsiteX65" fmla="*/ 655085 w 1983504"/>
+              <a:gd name="connsiteY65" fmla="*/ 4321821 h 6858000"/>
+              <a:gd name="connsiteX66" fmla="*/ 588662 w 1983504"/>
+              <a:gd name="connsiteY66" fmla="*/ 4414305 h 6858000"/>
+              <a:gd name="connsiteX67" fmla="*/ 356189 w 1983504"/>
+              <a:gd name="connsiteY67" fmla="*/ 4378734 h 6858000"/>
+              <a:gd name="connsiteX68" fmla="*/ 667160 w 1983504"/>
+              <a:gd name="connsiteY68" fmla="*/ 4613499 h 6858000"/>
+              <a:gd name="connsiteX69" fmla="*/ 416573 w 1983504"/>
+              <a:gd name="connsiteY69" fmla="*/ 4585042 h 6858000"/>
+              <a:gd name="connsiteX70" fmla="*/ 335056 w 1983504"/>
+              <a:gd name="connsiteY70" fmla="*/ 4602828 h 6858000"/>
+              <a:gd name="connsiteX71" fmla="*/ 380342 w 1983504"/>
+              <a:gd name="connsiteY71" fmla="*/ 4677526 h 6858000"/>
+              <a:gd name="connsiteX72" fmla="*/ 564510 w 1983504"/>
+              <a:gd name="connsiteY72" fmla="*/ 4805580 h 6858000"/>
+              <a:gd name="connsiteX73" fmla="*/ 944922 w 1983504"/>
+              <a:gd name="connsiteY73" fmla="*/ 5154171 h 6858000"/>
+              <a:gd name="connsiteX74" fmla="*/ 576586 w 1983504"/>
+              <a:gd name="connsiteY74" fmla="*/ 4994104 h 6858000"/>
+              <a:gd name="connsiteX75" fmla="*/ 963036 w 1983504"/>
+              <a:gd name="connsiteY75" fmla="*/ 5353367 h 6858000"/>
+              <a:gd name="connsiteX76" fmla="*/ 1047572 w 1983504"/>
+              <a:gd name="connsiteY76" fmla="*/ 5474306 h 6858000"/>
+              <a:gd name="connsiteX77" fmla="*/ 1222682 w 1983504"/>
+              <a:gd name="connsiteY77" fmla="*/ 5769542 h 6858000"/>
+              <a:gd name="connsiteX78" fmla="*/ 1213626 w 1983504"/>
+              <a:gd name="connsiteY78" fmla="*/ 5801555 h 6858000"/>
+              <a:gd name="connsiteX79" fmla="*/ 1014361 w 1983504"/>
+              <a:gd name="connsiteY79" fmla="*/ 5755314 h 6858000"/>
+              <a:gd name="connsiteX80" fmla="*/ 1274008 w 1983504"/>
+              <a:gd name="connsiteY80" fmla="*/ 6004307 h 6858000"/>
+              <a:gd name="connsiteX81" fmla="*/ 1542711 w 1983504"/>
+              <a:gd name="connsiteY81" fmla="*/ 6196388 h 6858000"/>
+              <a:gd name="connsiteX82" fmla="*/ 1352504 w 1983504"/>
+              <a:gd name="connsiteY82" fmla="*/ 6167932 h 6858000"/>
+              <a:gd name="connsiteX83" fmla="*/ 1089840 w 1983504"/>
+              <a:gd name="connsiteY83" fmla="*/ 6057663 h 6858000"/>
+              <a:gd name="connsiteX84" fmla="*/ 999266 w 1983504"/>
+              <a:gd name="connsiteY84" fmla="*/ 6100347 h 6858000"/>
+              <a:gd name="connsiteX85" fmla="*/ 1246836 w 1983504"/>
+              <a:gd name="connsiteY85" fmla="*/ 6281757 h 6858000"/>
+              <a:gd name="connsiteX86" fmla="*/ 1388735 w 1983504"/>
+              <a:gd name="connsiteY86" fmla="*/ 6367127 h 6858000"/>
+              <a:gd name="connsiteX87" fmla="*/ 1446099 w 1983504"/>
+              <a:gd name="connsiteY87" fmla="*/ 6431153 h 6858000"/>
+              <a:gd name="connsiteX88" fmla="*/ 1609132 w 1983504"/>
+              <a:gd name="connsiteY88" fmla="*/ 6658805 h 6858000"/>
+              <a:gd name="connsiteX89" fmla="*/ 1983504 w 1983504"/>
+              <a:gd name="connsiteY89" fmla="*/ 6858000 h 6858000"/>
+              <a:gd name="connsiteX90" fmla="*/ 0 w 1983504"/>
+              <a:gd name="connsiteY90" fmla="*/ 6858000 h 6858000"/>
+            </a:gdLst>
+            <a:ahLst/>
+            <a:cxnLst>
+              <a:cxn ang="0">
+                <a:pos x="connsiteX0" y="connsiteY0"/>
+              </a:cxn>
+              <a:cxn ang="0">
+                <a:pos x="connsiteX1" y="connsiteY1"/>
+              </a:cxn>
+              <a:cxn ang="0">
+                <a:pos x="connsiteX2" y="connsiteY2"/>
+              </a:cxn>
+              <a:cxn ang="0">
+                <a:pos x="connsiteX3" y="connsiteY3"/>
+              </a:cxn>
+              <a:cxn ang="0">
+                <a:pos x="connsiteX4" y="connsiteY4"/>
+              </a:cxn>
+              <a:cxn ang="0">
+                <a:pos x="connsiteX5" y="connsiteY5"/>
+              </a:cxn>
+              <a:cxn ang="0">
+                <a:pos x="connsiteX6" y="connsiteY6"/>
+              </a:cxn>
+              <a:cxn ang="0">
+                <a:pos x="connsiteX7" y="connsiteY7"/>
+              </a:cxn>
+              <a:cxn ang="0">
+                <a:pos x="connsiteX8" y="connsiteY8"/>
+              </a:cxn>
+              <a:cxn ang="0">
+                <a:pos x="connsiteX9" y="connsiteY9"/>
+              </a:cxn>
+              <a:cxn ang="0">
+                <a:pos x="connsiteX10" y="connsiteY10"/>
+              </a:cxn>
+              <a:cxn ang="0">
+                <a:pos x="connsiteX11" y="connsiteY11"/>
+              </a:cxn>
+              <a:cxn ang="0">
+                <a:pos x="connsiteX12" y="connsiteY12"/>
+              </a:cxn>
+              <a:cxn ang="0">
+                <a:pos x="connsiteX13" y="connsiteY13"/>
+              </a:cxn>
+              <a:cxn ang="0">
+                <a:pos x="connsiteX14" y="connsiteY14"/>
+              </a:cxn>
+              <a:cxn ang="0">
+                <a:pos x="connsiteX15" y="connsiteY15"/>
+              </a:cxn>
+              <a:cxn ang="0">
+                <a:pos x="connsiteX16" y="connsiteY16"/>
+              </a:cxn>
+              <a:cxn ang="0">
+                <a:pos x="connsiteX17" y="connsiteY17"/>
+              </a:cxn>
+              <a:cxn ang="0">
+                <a:pos x="connsiteX18" y="connsiteY18"/>
+              </a:cxn>
+              <a:cxn ang="0">
+                <a:pos x="connsiteX19" y="connsiteY19"/>
+              </a:cxn>
+              <a:cxn ang="0">
+                <a:pos x="connsiteX20" y="connsiteY20"/>
+              </a:cxn>
+              <a:cxn ang="0">
+                <a:pos x="connsiteX21" y="connsiteY21"/>
+              </a:cxn>
+              <a:cxn ang="0">
+                <a:pos x="connsiteX22" y="connsiteY22"/>
+              </a:cxn>
+              <a:cxn ang="0">
+                <a:pos x="connsiteX23" y="connsiteY23"/>
+              </a:cxn>
+              <a:cxn ang="0">
+                <a:pos x="connsiteX24" y="connsiteY24"/>
+              </a:cxn>
+              <a:cxn ang="0">
+                <a:pos x="connsiteX25" y="connsiteY25"/>
+              </a:cxn>
+              <a:cxn ang="0">
+                <a:pos x="connsiteX26" y="connsiteY26"/>
+              </a:cxn>
+              <a:cxn ang="0">
+                <a:pos x="connsiteX27" y="connsiteY27"/>
+              </a:cxn>
+              <a:cxn ang="0">
+                <a:pos x="connsiteX28" y="connsiteY28"/>
+              </a:cxn>
+              <a:cxn ang="0">
+                <a:pos x="connsiteX29" y="connsiteY29"/>
+              </a:cxn>
+              <a:cxn ang="0">
+                <a:pos x="connsiteX30" y="connsiteY30"/>
+              </a:cxn>
+              <a:cxn ang="0">
+                <a:pos x="connsiteX31" y="connsiteY31"/>
+              </a:cxn>
+              <a:cxn ang="0">
+                <a:pos x="connsiteX32" y="connsiteY32"/>
+              </a:cxn>
+              <a:cxn ang="0">
+                <a:pos x="connsiteX33" y="connsiteY33"/>
+              </a:cxn>
+              <a:cxn ang="0">
+                <a:pos x="connsiteX34" y="connsiteY34"/>
+              </a:cxn>
+              <a:cxn ang="0">
+                <a:pos x="connsiteX35" y="connsiteY35"/>
+              </a:cxn>
+              <a:cxn ang="0">
+                <a:pos x="connsiteX36" y="connsiteY36"/>
+              </a:cxn>
+              <a:cxn ang="0">
+                <a:pos x="connsiteX37" y="connsiteY37"/>
+              </a:cxn>
+              <a:cxn ang="0">
+                <a:pos x="connsiteX38" y="connsiteY38"/>
+              </a:cxn>
+              <a:cxn ang="0">
+                <a:pos x="connsiteX39" y="connsiteY39"/>
+              </a:cxn>
+              <a:cxn ang="0">
+                <a:pos x="connsiteX40" y="connsiteY40"/>
+              </a:cxn>
+              <a:cxn ang="0">
+                <a:pos x="connsiteX41" y="connsiteY41"/>
+              </a:cxn>
+              <a:cxn ang="0">
+                <a:pos x="connsiteX42" y="connsiteY42"/>
+              </a:cxn>
+              <a:cxn ang="0">
+                <a:pos x="connsiteX43" y="connsiteY43"/>
+              </a:cxn>
+              <a:cxn ang="0">
+                <a:pos x="connsiteX44" y="connsiteY44"/>
+              </a:cxn>
+              <a:cxn ang="0">
+                <a:pos x="connsiteX45" y="connsiteY45"/>
+              </a:cxn>
+              <a:cxn ang="0">
+                <a:pos x="connsiteX46" y="connsiteY46"/>
+              </a:cxn>
+              <a:cxn ang="0">
+                <a:pos x="connsiteX47" y="connsiteY47"/>
+              </a:cxn>
+              <a:cxn ang="0">
+                <a:pos x="connsiteX48" y="connsiteY48"/>
+              </a:cxn>
+              <a:cxn ang="0">
+                <a:pos x="connsiteX49" y="connsiteY49"/>
+              </a:cxn>
+              <a:cxn ang="0">
+                <a:pos x="connsiteX50" y="connsiteY50"/>
+              </a:cxn>
+              <a:cxn ang="0">
+                <a:pos x="connsiteX51" y="connsiteY51"/>
+              </a:cxn>
+              <a:cxn ang="0">
+                <a:pos x="connsiteX52" y="connsiteY52"/>
+              </a:cxn>
+              <a:cxn ang="0">
+                <a:pos x="connsiteX53" y="connsiteY53"/>
+              </a:cxn>
+              <a:cxn ang="0">
+                <a:pos x="connsiteX54" y="connsiteY54"/>
+              </a:cxn>
+              <a:cxn ang="0">
+                <a:pos x="connsiteX55" y="connsiteY55"/>
+              </a:cxn>
+              <a:cxn ang="0">
+                <a:pos x="connsiteX56" y="connsiteY56"/>
+              </a:cxn>
+              <a:cxn ang="0">
+                <a:pos x="connsiteX57" y="connsiteY57"/>
+              </a:cxn>
+              <a:cxn ang="0">
+                <a:pos x="connsiteX58" y="connsiteY58"/>
+              </a:cxn>
+              <a:cxn ang="0">
+                <a:pos x="connsiteX59" y="connsiteY59"/>
+              </a:cxn>
+              <a:cxn ang="0">
+                <a:pos x="connsiteX60" y="connsiteY60"/>
+              </a:cxn>
+              <a:cxn ang="0">
+                <a:pos x="connsiteX61" y="connsiteY61"/>
+              </a:cxn>
+              <a:cxn ang="0">
+                <a:pos x="connsiteX62" y="connsiteY62"/>
+              </a:cxn>
+              <a:cxn ang="0">
+                <a:pos x="connsiteX63" y="connsiteY63"/>
+              </a:cxn>
+              <a:cxn ang="0">
+                <a:pos x="connsiteX64" y="connsiteY64"/>
+              </a:cxn>
+              <a:cxn ang="0">
+                <a:pos x="connsiteX65" y="connsiteY65"/>
+              </a:cxn>
+              <a:cxn ang="0">
+                <a:pos x="connsiteX66" y="connsiteY66"/>
+              </a:cxn>
+              <a:cxn ang="0">
+                <a:pos x="connsiteX67" y="connsiteY67"/>
+              </a:cxn>
+              <a:cxn ang="0">
+                <a:pos x="connsiteX68" y="connsiteY68"/>
+              </a:cxn>
+              <a:cxn ang="0">
+                <a:pos x="connsiteX69" y="connsiteY69"/>
+              </a:cxn>
+              <a:cxn ang="0">
+                <a:pos x="connsiteX70" y="connsiteY70"/>
+              </a:cxn>
+              <a:cxn ang="0">
+                <a:pos x="connsiteX71" y="connsiteY71"/>
+              </a:cxn>
+              <a:cxn ang="0">
+                <a:pos x="connsiteX72" y="connsiteY72"/>
+              </a:cxn>
+              <a:cxn ang="0">
+                <a:pos x="connsiteX73" y="connsiteY73"/>
+              </a:cxn>
+              <a:cxn ang="0">
+                <a:pos x="connsiteX74" y="connsiteY74"/>
+              </a:cxn>
+              <a:cxn ang="0">
+                <a:pos x="connsiteX75" y="connsiteY75"/>
+              </a:cxn>
+              <a:cxn ang="0">
+                <a:pos x="connsiteX76" y="connsiteY76"/>
+              </a:cxn>
+              <a:cxn ang="0">
+                <a:pos x="connsiteX77" y="connsiteY77"/>
+              </a:cxn>
+              <a:cxn ang="0">
+                <a:pos x="connsiteX78" y="connsiteY78"/>
+              </a:cxn>
+              <a:cxn ang="0">
+                <a:pos x="connsiteX79" y="connsiteY79"/>
+              </a:cxn>
+              <a:cxn ang="0">
+                <a:pos x="connsiteX80" y="connsiteY80"/>
+              </a:cxn>
+              <a:cxn ang="0">
+                <a:pos x="connsiteX81" y="connsiteY81"/>
+              </a:cxn>
+              <a:cxn ang="0">
+                <a:pos x="connsiteX82" y="connsiteY82"/>
+              </a:cxn>
+              <a:cxn ang="0">
+                <a:pos x="connsiteX83" y="connsiteY83"/>
+              </a:cxn>
+              <a:cxn ang="0">
+                <a:pos x="connsiteX84" y="connsiteY84"/>
+              </a:cxn>
+              <a:cxn ang="0">
+                <a:pos x="connsiteX85" y="connsiteY85"/>
+              </a:cxn>
+              <a:cxn ang="0">
+                <a:pos x="connsiteX86" y="connsiteY86"/>
+              </a:cxn>
+              <a:cxn ang="0">
+                <a:pos x="connsiteX87" y="connsiteY87"/>
+              </a:cxn>
+              <a:cxn ang="0">
+                <a:pos x="connsiteX88" y="connsiteY88"/>
+              </a:cxn>
+              <a:cxn ang="0">
+                <a:pos x="connsiteX89" y="connsiteY89"/>
+              </a:cxn>
+              <a:cxn ang="0">
+                <a:pos x="connsiteX90" y="connsiteY90"/>
+              </a:cxn>
+            </a:cxnLst>
+            <a:rect l="l" t="t" r="r" b="b"/>
+            <a:pathLst>
+              <a:path w="1983504" h="6858000">
+                <a:moveTo>
+                  <a:pt x="0" y="0"/>
+                </a:moveTo>
+                <a:lnTo>
+                  <a:pt x="1376658" y="0"/>
+                </a:lnTo>
+                <a:cubicBezTo>
+                  <a:pt x="1482328" y="35571"/>
+                  <a:pt x="1584980" y="78255"/>
+                  <a:pt x="1690650" y="110269"/>
+                </a:cubicBezTo>
+                <a:cubicBezTo>
+                  <a:pt x="1675553" y="145839"/>
+                  <a:pt x="1660458" y="138725"/>
+                  <a:pt x="1645361" y="135168"/>
+                </a:cubicBezTo>
+                <a:cubicBezTo>
+                  <a:pt x="1554788" y="120941"/>
+                  <a:pt x="1461194" y="110269"/>
+                  <a:pt x="1373640" y="71141"/>
+                </a:cubicBezTo>
+                <a:cubicBezTo>
+                  <a:pt x="1352504" y="64027"/>
+                  <a:pt x="1328352" y="64027"/>
+                  <a:pt x="1319295" y="88927"/>
+                </a:cubicBezTo>
+                <a:cubicBezTo>
+                  <a:pt x="1304199" y="124497"/>
+                  <a:pt x="1325332" y="145839"/>
+                  <a:pt x="1346468" y="163625"/>
+                </a:cubicBezTo>
+                <a:cubicBezTo>
+                  <a:pt x="1382696" y="195638"/>
+                  <a:pt x="1424964" y="188525"/>
+                  <a:pt x="1464213" y="192082"/>
+                </a:cubicBezTo>
+                <a:cubicBezTo>
+                  <a:pt x="1572902" y="209867"/>
+                  <a:pt x="1624228" y="259665"/>
+                  <a:pt x="1648381" y="373491"/>
+                </a:cubicBezTo>
+                <a:cubicBezTo>
+                  <a:pt x="1554788" y="327250"/>
+                  <a:pt x="1461194" y="384162"/>
+                  <a:pt x="1370620" y="352148"/>
+                </a:cubicBezTo>
+                <a:cubicBezTo>
+                  <a:pt x="1346468" y="345034"/>
+                  <a:pt x="1310237" y="355706"/>
+                  <a:pt x="1322314" y="394834"/>
+                </a:cubicBezTo>
+                <a:cubicBezTo>
+                  <a:pt x="1334390" y="430405"/>
+                  <a:pt x="1373640" y="458860"/>
+                  <a:pt x="1304199" y="451747"/>
+                </a:cubicBezTo>
+                <a:cubicBezTo>
+                  <a:pt x="1252873" y="448189"/>
+                  <a:pt x="1237778" y="405504"/>
+                  <a:pt x="1222682" y="359262"/>
+                </a:cubicBezTo>
+                <a:cubicBezTo>
+                  <a:pt x="1210606" y="334364"/>
+                  <a:pt x="1177395" y="320135"/>
+                  <a:pt x="1153242" y="334364"/>
+                </a:cubicBezTo>
+                <a:cubicBezTo>
+                  <a:pt x="1123051" y="348592"/>
+                  <a:pt x="1132108" y="387720"/>
+                  <a:pt x="1132108" y="416176"/>
+                </a:cubicBezTo>
+                <a:cubicBezTo>
+                  <a:pt x="1129088" y="469532"/>
+                  <a:pt x="1153242" y="494431"/>
+                  <a:pt x="1195509" y="505101"/>
+                </a:cubicBezTo>
+                <a:cubicBezTo>
+                  <a:pt x="1246836" y="519330"/>
+                  <a:pt x="1298160" y="537116"/>
+                  <a:pt x="1364582" y="558458"/>
+                </a:cubicBezTo>
+                <a:cubicBezTo>
+                  <a:pt x="1292122" y="594028"/>
+                  <a:pt x="1237778" y="586915"/>
+                  <a:pt x="1183434" y="558458"/>
+                </a:cubicBezTo>
+                <a:cubicBezTo>
+                  <a:pt x="1117012" y="526444"/>
+                  <a:pt x="1029458" y="483759"/>
+                  <a:pt x="975114" y="522887"/>
+                </a:cubicBezTo>
+                <a:cubicBezTo>
+                  <a:pt x="893597" y="579800"/>
+                  <a:pt x="827176" y="544229"/>
+                  <a:pt x="754716" y="533558"/>
+                </a:cubicBezTo>
+                <a:cubicBezTo>
+                  <a:pt x="603758" y="512216"/>
+                  <a:pt x="697352" y="480203"/>
+                  <a:pt x="546395" y="462417"/>
+                </a:cubicBezTo>
+                <a:cubicBezTo>
+                  <a:pt x="486012" y="455303"/>
+                  <a:pt x="422610" y="426847"/>
+                  <a:pt x="335056" y="465975"/>
+                </a:cubicBezTo>
+                <a:cubicBezTo>
+                  <a:pt x="730563" y="672284"/>
+                  <a:pt x="917750" y="658055"/>
+                  <a:pt x="1270988" y="910606"/>
+                </a:cubicBezTo>
+                <a:cubicBezTo>
+                  <a:pt x="1255893" y="935506"/>
+                  <a:pt x="1240798" y="924835"/>
+                  <a:pt x="1225701" y="921277"/>
+                </a:cubicBezTo>
+                <a:cubicBezTo>
+                  <a:pt x="1201548" y="917720"/>
+                  <a:pt x="1171356" y="903491"/>
+                  <a:pt x="1165318" y="949734"/>
+                </a:cubicBezTo>
+                <a:cubicBezTo>
+                  <a:pt x="1162298" y="985305"/>
+                  <a:pt x="1180415" y="1003089"/>
+                  <a:pt x="1210606" y="1006647"/>
+                </a:cubicBezTo>
+                <a:cubicBezTo>
+                  <a:pt x="1298160" y="1020875"/>
+                  <a:pt x="1376658" y="1070674"/>
+                  <a:pt x="1455156" y="1113358"/>
+                </a:cubicBezTo>
+                <a:cubicBezTo>
+                  <a:pt x="1491385" y="1131144"/>
+                  <a:pt x="1530634" y="1156043"/>
+                  <a:pt x="1515538" y="1220069"/>
+                </a:cubicBezTo>
+                <a:cubicBezTo>
+                  <a:pt x="1485348" y="1237855"/>
+                  <a:pt x="1464213" y="1212955"/>
+                  <a:pt x="1440060" y="1209399"/>
+                </a:cubicBezTo>
+                <a:cubicBezTo>
+                  <a:pt x="1415907" y="1205842"/>
+                  <a:pt x="1358543" y="1220069"/>
+                  <a:pt x="1373640" y="1230741"/>
+                </a:cubicBezTo>
+                <a:cubicBezTo>
+                  <a:pt x="1443080" y="1269868"/>
+                  <a:pt x="1316276" y="1365909"/>
+                  <a:pt x="1400810" y="1365909"/>
+                </a:cubicBezTo>
+                <a:cubicBezTo>
+                  <a:pt x="1539691" y="1365909"/>
+                  <a:pt x="1615170" y="1536647"/>
+                  <a:pt x="1748012" y="1540204"/>
+                </a:cubicBezTo>
+                <a:cubicBezTo>
+                  <a:pt x="1769146" y="1540204"/>
+                  <a:pt x="1778203" y="1572219"/>
+                  <a:pt x="1778203" y="1597117"/>
+                </a:cubicBezTo>
+                <a:cubicBezTo>
+                  <a:pt x="1778203" y="1629132"/>
+                  <a:pt x="1757070" y="1632688"/>
+                  <a:pt x="1735936" y="1636245"/>
+                </a:cubicBezTo>
+                <a:cubicBezTo>
+                  <a:pt x="1702725" y="1639802"/>
+                  <a:pt x="1666496" y="1597117"/>
+                  <a:pt x="1624228" y="1657587"/>
+                </a:cubicBezTo>
+                <a:cubicBezTo>
+                  <a:pt x="1702725" y="1693158"/>
+                  <a:pt x="1784242" y="1728729"/>
+                  <a:pt x="1781223" y="1849668"/>
+                </a:cubicBezTo>
+                <a:cubicBezTo>
+                  <a:pt x="1781223" y="1881683"/>
+                  <a:pt x="1814434" y="1895910"/>
+                  <a:pt x="1838587" y="1903025"/>
+                </a:cubicBezTo>
+                <a:cubicBezTo>
+                  <a:pt x="1880854" y="1917252"/>
+                  <a:pt x="1914065" y="1938595"/>
+                  <a:pt x="1938218" y="1984836"/>
+                </a:cubicBezTo>
+                <a:cubicBezTo>
+                  <a:pt x="1938218" y="1995507"/>
+                  <a:pt x="1938218" y="2002622"/>
+                  <a:pt x="1938218" y="2013292"/>
+                </a:cubicBezTo>
+                <a:cubicBezTo>
+                  <a:pt x="1932180" y="2123562"/>
+                  <a:pt x="1871798" y="2120004"/>
+                  <a:pt x="1805376" y="2102219"/>
+                </a:cubicBezTo>
+                <a:cubicBezTo>
+                  <a:pt x="1726878" y="2080877"/>
+                  <a:pt x="1648381" y="2038192"/>
+                  <a:pt x="1563844" y="2077320"/>
+                </a:cubicBezTo>
+                <a:cubicBezTo>
+                  <a:pt x="1681592" y="2130676"/>
+                  <a:pt x="1811414" y="2134233"/>
+                  <a:pt x="1920104" y="2208931"/>
+                </a:cubicBezTo>
+                <a:cubicBezTo>
+                  <a:pt x="1515538" y="2223159"/>
+                  <a:pt x="1159280" y="1984836"/>
+                  <a:pt x="766792" y="1892353"/>
+                </a:cubicBezTo>
+                <a:cubicBezTo>
+                  <a:pt x="778869" y="1952823"/>
+                  <a:pt x="812080" y="1967051"/>
+                  <a:pt x="839252" y="1974165"/>
+                </a:cubicBezTo>
+                <a:cubicBezTo>
+                  <a:pt x="984170" y="2020407"/>
+                  <a:pt x="1110974" y="2112891"/>
+                  <a:pt x="1243816" y="2191146"/>
+                </a:cubicBezTo>
+                <a:cubicBezTo>
+                  <a:pt x="1298160" y="2223159"/>
+                  <a:pt x="1337410" y="2258731"/>
+                  <a:pt x="1358543" y="2326314"/>
+                </a:cubicBezTo>
+                <a:cubicBezTo>
+                  <a:pt x="1376658" y="2390340"/>
+                  <a:pt x="1412888" y="2418796"/>
+                  <a:pt x="1479310" y="2401012"/>
+                </a:cubicBezTo>
+                <a:cubicBezTo>
+                  <a:pt x="1533654" y="2386784"/>
+                  <a:pt x="1591018" y="2393898"/>
+                  <a:pt x="1648381" y="2401012"/>
+                </a:cubicBezTo>
+                <a:cubicBezTo>
+                  <a:pt x="1711782" y="2408126"/>
+                  <a:pt x="1784242" y="2479267"/>
+                  <a:pt x="1769146" y="2518395"/>
+                </a:cubicBezTo>
+                <a:cubicBezTo>
+                  <a:pt x="1738956" y="2582422"/>
+                  <a:pt x="1687630" y="2550408"/>
+                  <a:pt x="1645361" y="2543294"/>
+                </a:cubicBezTo>
+                <a:cubicBezTo>
+                  <a:pt x="1594036" y="2536181"/>
+                  <a:pt x="1500444" y="2518395"/>
+                  <a:pt x="1500444" y="2525509"/>
+                </a:cubicBezTo>
+                <a:cubicBezTo>
+                  <a:pt x="1467232" y="2685576"/>
+                  <a:pt x="1391754" y="2564636"/>
+                  <a:pt x="1337410" y="2564636"/>
+                </a:cubicBezTo>
+                <a:cubicBezTo>
+                  <a:pt x="1286084" y="2564636"/>
+                  <a:pt x="1234759" y="2546851"/>
+                  <a:pt x="1186452" y="2532623"/>
+                </a:cubicBezTo>
+                <a:cubicBezTo>
+                  <a:pt x="1123051" y="2514837"/>
+                  <a:pt x="1065688" y="2546851"/>
+                  <a:pt x="1005304" y="2553965"/>
+                </a:cubicBezTo>
+                <a:cubicBezTo>
+                  <a:pt x="950960" y="2561080"/>
+                  <a:pt x="981150" y="2653563"/>
+                  <a:pt x="947940" y="2692689"/>
+                </a:cubicBezTo>
+                <a:cubicBezTo>
+                  <a:pt x="941903" y="2703362"/>
+                  <a:pt x="935864" y="2703362"/>
+                  <a:pt x="929826" y="2703362"/>
+                </a:cubicBezTo>
+                <a:cubicBezTo>
+                  <a:pt x="911711" y="2980812"/>
+                  <a:pt x="594701" y="2913227"/>
+                  <a:pt x="594701" y="2923898"/>
+                </a:cubicBezTo>
+                <a:cubicBezTo>
+                  <a:pt x="567529" y="2941684"/>
+                  <a:pt x="534318" y="2899000"/>
+                  <a:pt x="501108" y="2941684"/>
+                </a:cubicBezTo>
+                <a:cubicBezTo>
+                  <a:pt x="643007" y="3137322"/>
+                  <a:pt x="860386" y="3183563"/>
+                  <a:pt x="1053610" y="3329402"/>
+                </a:cubicBezTo>
+                <a:cubicBezTo>
+                  <a:pt x="893597" y="3379202"/>
+                  <a:pt x="800002" y="3208463"/>
+                  <a:pt x="682256" y="3229805"/>
+                </a:cubicBezTo>
+                <a:cubicBezTo>
+                  <a:pt x="624893" y="3283162"/>
+                  <a:pt x="796984" y="3368530"/>
+                  <a:pt x="630932" y="3393429"/>
+                </a:cubicBezTo>
+                <a:cubicBezTo>
+                  <a:pt x="703390" y="3439672"/>
+                  <a:pt x="754716" y="3485914"/>
+                  <a:pt x="806041" y="3539269"/>
+                </a:cubicBezTo>
+                <a:cubicBezTo>
+                  <a:pt x="893597" y="3635309"/>
+                  <a:pt x="911711" y="3699337"/>
+                  <a:pt x="869444" y="3827390"/>
+                </a:cubicBezTo>
+                <a:cubicBezTo>
+                  <a:pt x="842270" y="3912759"/>
+                  <a:pt x="803022" y="3991015"/>
+                  <a:pt x="839252" y="4090612"/>
+                </a:cubicBezTo>
+                <a:cubicBezTo>
+                  <a:pt x="863405" y="4158196"/>
+                  <a:pt x="854347" y="4204438"/>
+                  <a:pt x="763774" y="4172424"/>
+                </a:cubicBezTo>
+                <a:cubicBezTo>
+                  <a:pt x="667160" y="4140411"/>
+                  <a:pt x="630932" y="4200882"/>
+                  <a:pt x="655085" y="4321821"/>
+                </a:cubicBezTo>
+                <a:cubicBezTo>
+                  <a:pt x="670179" y="4400076"/>
+                  <a:pt x="655085" y="4424975"/>
+                  <a:pt x="588662" y="4414305"/>
+                </a:cubicBezTo>
+                <a:cubicBezTo>
+                  <a:pt x="516204" y="4403633"/>
+                  <a:pt x="446764" y="4353835"/>
+                  <a:pt x="356189" y="4378734"/>
+                </a:cubicBezTo>
+                <a:cubicBezTo>
+                  <a:pt x="428648" y="4521016"/>
+                  <a:pt x="582626" y="4478331"/>
+                  <a:pt x="667160" y="4613499"/>
+                </a:cubicBezTo>
+                <a:cubicBezTo>
+                  <a:pt x="567529" y="4613499"/>
+                  <a:pt x="489031" y="4613499"/>
+                  <a:pt x="416573" y="4585042"/>
+                </a:cubicBezTo>
+                <a:cubicBezTo>
+                  <a:pt x="386381" y="4574373"/>
+                  <a:pt x="353170" y="4560144"/>
+                  <a:pt x="335056" y="4602828"/>
+                </a:cubicBezTo>
+                <a:cubicBezTo>
+                  <a:pt x="313920" y="4652628"/>
+                  <a:pt x="356189" y="4670412"/>
+                  <a:pt x="380342" y="4677526"/>
+                </a:cubicBezTo>
+                <a:cubicBezTo>
+                  <a:pt x="449784" y="4702425"/>
+                  <a:pt x="504126" y="4759339"/>
+                  <a:pt x="564510" y="4805580"/>
+                </a:cubicBezTo>
+                <a:cubicBezTo>
+                  <a:pt x="694332" y="4905177"/>
+                  <a:pt x="836233" y="4990547"/>
+                  <a:pt x="944922" y="5154171"/>
+                </a:cubicBezTo>
+                <a:cubicBezTo>
+                  <a:pt x="809060" y="5111487"/>
+                  <a:pt x="706410" y="5011889"/>
+                  <a:pt x="576586" y="4994104"/>
+                </a:cubicBezTo>
+                <a:cubicBezTo>
+                  <a:pt x="688296" y="5143500"/>
+                  <a:pt x="830194" y="5243097"/>
+                  <a:pt x="963036" y="5353367"/>
+                </a:cubicBezTo>
+                <a:cubicBezTo>
+                  <a:pt x="1002286" y="5385379"/>
+                  <a:pt x="1041534" y="5406721"/>
+                  <a:pt x="1047572" y="5474306"/>
+                </a:cubicBezTo>
+                <a:cubicBezTo>
+                  <a:pt x="1065688" y="5605917"/>
+                  <a:pt x="1113992" y="5712629"/>
+                  <a:pt x="1222682" y="5769542"/>
+                </a:cubicBezTo>
+                <a:cubicBezTo>
+                  <a:pt x="1222682" y="5769542"/>
+                  <a:pt x="1216644" y="5790884"/>
+                  <a:pt x="1213626" y="5801555"/>
+                </a:cubicBezTo>
+                <a:cubicBezTo>
+                  <a:pt x="1147203" y="5805112"/>
+                  <a:pt x="1095878" y="5726858"/>
+                  <a:pt x="1014361" y="5755314"/>
+                </a:cubicBezTo>
+                <a:cubicBezTo>
+                  <a:pt x="1095878" y="5862025"/>
+                  <a:pt x="1162298" y="5954508"/>
+                  <a:pt x="1274008" y="6004307"/>
+                </a:cubicBezTo>
+                <a:cubicBezTo>
+                  <a:pt x="1364582" y="6043434"/>
+                  <a:pt x="1476290" y="6068335"/>
+                  <a:pt x="1542711" y="6196388"/>
+                </a:cubicBezTo>
+                <a:cubicBezTo>
+                  <a:pt x="1467232" y="6221287"/>
+                  <a:pt x="1409868" y="6189274"/>
+                  <a:pt x="1352504" y="6167932"/>
+                </a:cubicBezTo>
+                <a:cubicBezTo>
+                  <a:pt x="1264950" y="6132361"/>
+                  <a:pt x="1177395" y="6093234"/>
+                  <a:pt x="1089840" y="6057663"/>
+                </a:cubicBezTo>
+                <a:cubicBezTo>
+                  <a:pt x="1056628" y="6043434"/>
+                  <a:pt x="1020400" y="6036320"/>
+                  <a:pt x="999266" y="6100347"/>
+                </a:cubicBezTo>
+                <a:cubicBezTo>
+                  <a:pt x="1110974" y="6114575"/>
+                  <a:pt x="1177395" y="6199945"/>
+                  <a:pt x="1246836" y="6281757"/>
+                </a:cubicBezTo>
+                <a:cubicBezTo>
+                  <a:pt x="1286084" y="6327999"/>
+                  <a:pt x="1319295" y="6388469"/>
+                  <a:pt x="1388735" y="6367127"/>
+                </a:cubicBezTo>
+                <a:cubicBezTo>
+                  <a:pt x="1424964" y="6356456"/>
+                  <a:pt x="1449118" y="6388469"/>
+                  <a:pt x="1446099" y="6431153"/>
+                </a:cubicBezTo>
+                <a:cubicBezTo>
+                  <a:pt x="1431002" y="6580550"/>
+                  <a:pt x="1518558" y="6630349"/>
+                  <a:pt x="1609132" y="6658805"/>
+                </a:cubicBezTo>
+                <a:cubicBezTo>
+                  <a:pt x="1741974" y="6701489"/>
+                  <a:pt x="1859720" y="6786859"/>
+                  <a:pt x="1983504" y="6858000"/>
+                </a:cubicBezTo>
+                <a:lnTo>
+                  <a:pt x="0" y="6858000"/>
+                </a:lnTo>
+                <a:close/>
+              </a:path>
+            </a:pathLst>
+          </a:custGeom>
+          <a:solidFill>
+            <a:schemeClr val="bg2">
+              <a:alpha val="50000"/>
+            </a:schemeClr>
+          </a:solidFill>
+          <a:ln w="32707" cap="flat">
+            <a:noFill/>
+            <a:prstDash val="solid"/>
+            <a:miter/>
+          </a:ln>
+        </p:spPr>
+        <p:txBody>
+          <a:bodyPr wrap="square" rtlCol="0" anchor="ctr">
+            <a:noAutofit/>
+          </a:bodyPr>
+          <a:lstStyle/>
+          <a:p>
+            <a:pPr algn="ctr"/>
+            <a:endParaRPr lang="en-US"/>
+          </a:p>
+        </p:txBody>
+      </p:sp>
     </p:spTree>
     <p:extLst>
       <p:ext uri="{BB962C8B-B14F-4D97-AF65-F5344CB8AC3E}">
